--- a/Bericht/Oxymeter.pptx
+++ b/Bericht/Oxymeter.pptx
@@ -15,12 +15,13 @@
     <p:sldId id="264" r:id="rId9"/>
     <p:sldId id="265" r:id="rId10"/>
     <p:sldId id="267" r:id="rId11"/>
-    <p:sldId id="266" r:id="rId12"/>
-    <p:sldId id="268" r:id="rId13"/>
-    <p:sldId id="269" r:id="rId14"/>
-    <p:sldId id="270" r:id="rId15"/>
-    <p:sldId id="271" r:id="rId16"/>
-    <p:sldId id="272" r:id="rId17"/>
+    <p:sldId id="273" r:id="rId12"/>
+    <p:sldId id="266" r:id="rId13"/>
+    <p:sldId id="268" r:id="rId14"/>
+    <p:sldId id="269" r:id="rId15"/>
+    <p:sldId id="270" r:id="rId16"/>
+    <p:sldId id="271" r:id="rId17"/>
+    <p:sldId id="272" r:id="rId18"/>
   </p:sldIdLst>
   <p:sldSz cx="12192000" cy="6858000"/>
   <p:notesSz cx="6858000" cy="9144000"/>
@@ -860,7 +861,7 @@
           <a:p>
             <a:fld id="{063F93B3-155D-4179-8E29-3CEAC9F43504}" type="datetimeFigureOut">
               <a:rPr lang="de-CH" smtClean="0"/>
-              <a:t>18.01.2019</a:t>
+              <a:t>23.01.2019</a:t>
             </a:fld>
             <a:endParaRPr lang="de-CH"/>
           </a:p>
@@ -1111,7 +1112,7 @@
           <a:p>
             <a:fld id="{063F93B3-155D-4179-8E29-3CEAC9F43504}" type="datetimeFigureOut">
               <a:rPr lang="de-CH" smtClean="0"/>
-              <a:t>18.01.2019</a:t>
+              <a:t>23.01.2019</a:t>
             </a:fld>
             <a:endParaRPr lang="de-CH"/>
           </a:p>
@@ -1425,7 +1426,7 @@
           <a:p>
             <a:fld id="{063F93B3-155D-4179-8E29-3CEAC9F43504}" type="datetimeFigureOut">
               <a:rPr lang="de-CH" smtClean="0"/>
-              <a:t>18.01.2019</a:t>
+              <a:t>23.01.2019</a:t>
             </a:fld>
             <a:endParaRPr lang="de-CH"/>
           </a:p>
@@ -1766,7 +1767,7 @@
           <a:p>
             <a:fld id="{063F93B3-155D-4179-8E29-3CEAC9F43504}" type="datetimeFigureOut">
               <a:rPr lang="de-CH" smtClean="0"/>
-              <a:t>18.01.2019</a:t>
+              <a:t>23.01.2019</a:t>
             </a:fld>
             <a:endParaRPr lang="de-CH"/>
           </a:p>
@@ -2080,7 +2081,7 @@
           <a:p>
             <a:fld id="{063F93B3-155D-4179-8E29-3CEAC9F43504}" type="datetimeFigureOut">
               <a:rPr lang="de-CH" smtClean="0"/>
-              <a:t>18.01.2019</a:t>
+              <a:t>23.01.2019</a:t>
             </a:fld>
             <a:endParaRPr lang="de-CH"/>
           </a:p>
@@ -2473,7 +2474,7 @@
           <a:p>
             <a:fld id="{063F93B3-155D-4179-8E29-3CEAC9F43504}" type="datetimeFigureOut">
               <a:rPr lang="de-CH" smtClean="0"/>
-              <a:t>18.01.2019</a:t>
+              <a:t>23.01.2019</a:t>
             </a:fld>
             <a:endParaRPr lang="de-CH"/>
           </a:p>
@@ -2643,7 +2644,7 @@
           <a:p>
             <a:fld id="{063F93B3-155D-4179-8E29-3CEAC9F43504}" type="datetimeFigureOut">
               <a:rPr lang="de-CH" smtClean="0"/>
-              <a:t>18.01.2019</a:t>
+              <a:t>23.01.2019</a:t>
             </a:fld>
             <a:endParaRPr lang="de-CH"/>
           </a:p>
@@ -2823,7 +2824,7 @@
           <a:p>
             <a:fld id="{063F93B3-155D-4179-8E29-3CEAC9F43504}" type="datetimeFigureOut">
               <a:rPr lang="de-CH" smtClean="0"/>
-              <a:t>18.01.2019</a:t>
+              <a:t>23.01.2019</a:t>
             </a:fld>
             <a:endParaRPr lang="de-CH"/>
           </a:p>
@@ -2999,7 +3000,7 @@
           <a:p>
             <a:fld id="{063F93B3-155D-4179-8E29-3CEAC9F43504}" type="datetimeFigureOut">
               <a:rPr lang="de-CH" smtClean="0"/>
-              <a:t>18.01.2019</a:t>
+              <a:t>23.01.2019</a:t>
             </a:fld>
             <a:endParaRPr lang="de-CH"/>
           </a:p>
@@ -3246,7 +3247,7 @@
           <a:p>
             <a:fld id="{063F93B3-155D-4179-8E29-3CEAC9F43504}" type="datetimeFigureOut">
               <a:rPr lang="de-CH" smtClean="0"/>
-              <a:t>18.01.2019</a:t>
+              <a:t>23.01.2019</a:t>
             </a:fld>
             <a:endParaRPr lang="de-CH"/>
           </a:p>
@@ -3478,7 +3479,7 @@
           <a:p>
             <a:fld id="{063F93B3-155D-4179-8E29-3CEAC9F43504}" type="datetimeFigureOut">
               <a:rPr lang="de-CH" smtClean="0"/>
-              <a:t>18.01.2019</a:t>
+              <a:t>23.01.2019</a:t>
             </a:fld>
             <a:endParaRPr lang="de-CH"/>
           </a:p>
@@ -3852,7 +3853,7 @@
           <a:p>
             <a:fld id="{063F93B3-155D-4179-8E29-3CEAC9F43504}" type="datetimeFigureOut">
               <a:rPr lang="de-CH" smtClean="0"/>
-              <a:t>18.01.2019</a:t>
+              <a:t>23.01.2019</a:t>
             </a:fld>
             <a:endParaRPr lang="de-CH"/>
           </a:p>
@@ -3975,7 +3976,7 @@
           <a:p>
             <a:fld id="{063F93B3-155D-4179-8E29-3CEAC9F43504}" type="datetimeFigureOut">
               <a:rPr lang="de-CH" smtClean="0"/>
-              <a:t>18.01.2019</a:t>
+              <a:t>23.01.2019</a:t>
             </a:fld>
             <a:endParaRPr lang="de-CH"/>
           </a:p>
@@ -4070,7 +4071,7 @@
           <a:p>
             <a:fld id="{063F93B3-155D-4179-8E29-3CEAC9F43504}" type="datetimeFigureOut">
               <a:rPr lang="de-CH" smtClean="0"/>
-              <a:t>18.01.2019</a:t>
+              <a:t>23.01.2019</a:t>
             </a:fld>
             <a:endParaRPr lang="de-CH"/>
           </a:p>
@@ -4325,7 +4326,7 @@
           <a:p>
             <a:fld id="{063F93B3-155D-4179-8E29-3CEAC9F43504}" type="datetimeFigureOut">
               <a:rPr lang="de-CH" smtClean="0"/>
-              <a:t>18.01.2019</a:t>
+              <a:t>23.01.2019</a:t>
             </a:fld>
             <a:endParaRPr lang="de-CH"/>
           </a:p>
@@ -4588,7 +4589,7 @@
           <a:p>
             <a:fld id="{063F93B3-155D-4179-8E29-3CEAC9F43504}" type="datetimeFigureOut">
               <a:rPr lang="de-CH" smtClean="0"/>
-              <a:t>18.01.2019</a:t>
+              <a:t>23.01.2019</a:t>
             </a:fld>
             <a:endParaRPr lang="de-CH"/>
           </a:p>
@@ -5331,7 +5332,7 @@
           <a:p>
             <a:fld id="{063F93B3-155D-4179-8E29-3CEAC9F43504}" type="datetimeFigureOut">
               <a:rPr lang="de-CH" smtClean="0"/>
-              <a:t>18.01.2019</a:t>
+              <a:t>23.01.2019</a:t>
             </a:fld>
             <a:endParaRPr lang="de-CH"/>
           </a:p>
@@ -5872,9 +5873,20 @@
           <a:p>
             <a:r>
               <a:rPr lang="de-CH" dirty="0" err="1" smtClean="0"/>
-              <a:t>Oxymeter</a:t>
-            </a:r>
-            <a:endParaRPr lang="de-CH" dirty="0"/>
+              <a:t>Oximeter</a:t>
+            </a:r>
+            <a:r>
+              <a:rPr lang="de-CH" dirty="0" smtClean="0"/>
+              <a:t/>
+            </a:r>
+            <a:br>
+              <a:rPr lang="de-CH" dirty="0" smtClean="0"/>
+            </a:br>
+            <a:r>
+              <a:rPr lang="de-CH" sz="3200" dirty="0" smtClean="0"/>
+              <a:t>Messung von Puls und Sauerstoffsättigung</a:t>
+            </a:r>
+            <a:endParaRPr lang="de-CH" sz="3200" dirty="0"/>
           </a:p>
         </p:txBody>
       </p:sp>
@@ -5962,7 +5974,7 @@
           <a:p>
             <a:r>
               <a:rPr lang="de-CH" dirty="0" smtClean="0"/>
-              <a:t>Schema</a:t>
+              <a:t>Schema (1)</a:t>
             </a:r>
             <a:endParaRPr lang="de-CH" dirty="0"/>
           </a:p>
@@ -5983,10 +5995,43 @@
           <a:bodyPr/>
           <a:lstStyle/>
           <a:p>
-            <a:endParaRPr lang="de-CH"/>
-          </a:p>
-        </p:txBody>
-      </p:sp>
+            <a:endParaRPr lang="de-CH" dirty="0"/>
+          </a:p>
+        </p:txBody>
+      </p:sp>
+      <p:pic>
+        <p:nvPicPr>
+          <p:cNvPr id="6" name="Bild 7" descr="/Volumes/DISK_IMG/Schema_Verstärker.PNG"/>
+          <p:cNvPicPr/>
+          <p:nvPr/>
+        </p:nvPicPr>
+        <p:blipFill>
+          <a:blip r:embed="rId2" cstate="print">
+            <a:extLst>
+              <a:ext uri="{28A0092B-C50C-407E-A947-70E740481C1C}">
+                <a14:useLocalDpi xmlns:a14="http://schemas.microsoft.com/office/drawing/2010/main" val="0"/>
+              </a:ext>
+            </a:extLst>
+          </a:blip>
+          <a:srcRect/>
+          <a:stretch>
+            <a:fillRect/>
+          </a:stretch>
+        </p:blipFill>
+        <p:spPr bwMode="auto">
+          <a:xfrm>
+            <a:off x="651366" y="1380477"/>
+            <a:ext cx="10889268" cy="5020324"/>
+          </a:xfrm>
+          <a:prstGeom prst="rect">
+            <a:avLst/>
+          </a:prstGeom>
+          <a:noFill/>
+          <a:ln>
+            <a:noFill/>
+          </a:ln>
+        </p:spPr>
+      </p:pic>
     </p:spTree>
     <p:extLst>
       <p:ext uri="{BB962C8B-B14F-4D97-AF65-F5344CB8AC3E}">
@@ -6034,6 +6079,193 @@
           <a:p>
             <a:r>
               <a:rPr lang="de-CH" dirty="0" smtClean="0"/>
+              <a:t>Schema (2)</a:t>
+            </a:r>
+            <a:endParaRPr lang="de-CH" dirty="0"/>
+          </a:p>
+        </p:txBody>
+      </p:sp>
+      <p:sp>
+        <p:nvSpPr>
+          <p:cNvPr id="3" name="Inhaltsplatzhalter 2"/>
+          <p:cNvSpPr>
+            <a:spLocks noGrp="1"/>
+          </p:cNvSpPr>
+          <p:nvPr>
+            <p:ph idx="1"/>
+          </p:nvPr>
+        </p:nvSpPr>
+        <p:spPr/>
+        <p:txBody>
+          <a:bodyPr/>
+          <a:lstStyle/>
+          <a:p>
+            <a:r>
+              <a:rPr lang="de-CH" dirty="0" err="1" smtClean="0"/>
+              <a:t>LED’s</a:t>
+            </a:r>
+            <a:r>
+              <a:rPr lang="de-CH" dirty="0" smtClean="0"/>
+              <a:t> </a:t>
+            </a:r>
+            <a:r>
+              <a:rPr lang="de-CH" dirty="0"/>
+              <a:t>(Infrarot u. Rot) </a:t>
+            </a:r>
+            <a:r>
+              <a:rPr lang="de-CH" dirty="0" smtClean="0"/>
+              <a:t>über </a:t>
+            </a:r>
+            <a:r>
+              <a:rPr lang="de-CH" dirty="0"/>
+              <a:t>eine H-Brücke </a:t>
+            </a:r>
+            <a:r>
+              <a:rPr lang="de-CH" dirty="0" smtClean="0"/>
+              <a:t>angesteuert, da Sensor antiparallel geschaltet </a:t>
+            </a:r>
+            <a:r>
+              <a:rPr lang="de-CH" dirty="0" smtClean="0"/>
+              <a:t>ist</a:t>
+            </a:r>
+          </a:p>
+          <a:p>
+            <a:r>
+              <a:rPr lang="de-CH" dirty="0" smtClean="0"/>
+              <a:t>Mit DAC Strom der LED zwischen 0mA und 20mA einstellen</a:t>
+            </a:r>
+          </a:p>
+          <a:p>
+            <a:r>
+              <a:rPr lang="de-CH" dirty="0" smtClean="0"/>
+              <a:t>R8 limitiert Strom </a:t>
+            </a:r>
+            <a:r>
+              <a:rPr lang="de-CH" dirty="0" smtClean="0">
+                <a:sym typeface="Wingdings" panose="05000000000000000000" pitchFamily="2" charset="2"/>
+              </a:rPr>
+              <a:t> kein Kurzschluss</a:t>
+            </a:r>
+            <a:endParaRPr lang="de-CH" dirty="0"/>
+          </a:p>
+        </p:txBody>
+      </p:sp>
+      <p:pic>
+        <p:nvPicPr>
+          <p:cNvPr id="4" name="Bild 11" descr="Bilder/H_Brücke_Schema.PNG"/>
+          <p:cNvPicPr/>
+          <p:nvPr/>
+        </p:nvPicPr>
+        <p:blipFill>
+          <a:blip r:embed="rId2" cstate="print">
+            <a:extLst>
+              <a:ext uri="{28A0092B-C50C-407E-A947-70E740481C1C}">
+                <a14:useLocalDpi xmlns:a14="http://schemas.microsoft.com/office/drawing/2010/main" val="0"/>
+              </a:ext>
+            </a:extLst>
+          </a:blip>
+          <a:srcRect/>
+          <a:stretch>
+            <a:fillRect/>
+          </a:stretch>
+        </p:blipFill>
+        <p:spPr bwMode="auto">
+          <a:xfrm>
+            <a:off x="797579" y="3813329"/>
+            <a:ext cx="4742870" cy="2458222"/>
+          </a:xfrm>
+          <a:prstGeom prst="rect">
+            <a:avLst/>
+          </a:prstGeom>
+          <a:noFill/>
+          <a:ln>
+            <a:noFill/>
+          </a:ln>
+        </p:spPr>
+      </p:pic>
+      <p:pic>
+        <p:nvPicPr>
+          <p:cNvPr id="5" name="Bild 23" descr="/Volumes/DISK_IMG/H-Brücke.PNG"/>
+          <p:cNvPicPr/>
+          <p:nvPr/>
+        </p:nvPicPr>
+        <p:blipFill rotWithShape="1">
+          <a:blip r:embed="rId3" cstate="print">
+            <a:extLst>
+              <a:ext uri="{28A0092B-C50C-407E-A947-70E740481C1C}">
+                <a14:useLocalDpi xmlns:a14="http://schemas.microsoft.com/office/drawing/2010/main" val="0"/>
+              </a:ext>
+            </a:extLst>
+          </a:blip>
+          <a:srcRect r="39427"/>
+          <a:stretch/>
+        </p:blipFill>
+        <p:spPr bwMode="auto">
+          <a:xfrm>
+            <a:off x="5881021" y="3319224"/>
+            <a:ext cx="3904532" cy="2052768"/>
+          </a:xfrm>
+          <a:prstGeom prst="rect">
+            <a:avLst/>
+          </a:prstGeom>
+          <a:noFill/>
+          <a:ln>
+            <a:noFill/>
+          </a:ln>
+          <a:extLst>
+            <a:ext uri="{53640926-AAD7-44D8-BBD7-CCE9431645EC}">
+              <a14:shadowObscured xmlns:a14="http://schemas.microsoft.com/office/drawing/2010/main"/>
+            </a:ext>
+          </a:extLst>
+        </p:spPr>
+      </p:pic>
+    </p:spTree>
+    <p:extLst>
+      <p:ext uri="{BB962C8B-B14F-4D97-AF65-F5344CB8AC3E}">
+        <p14:creationId xmlns:p14="http://schemas.microsoft.com/office/powerpoint/2010/main" val="4204414592"/>
+      </p:ext>
+    </p:extLst>
+  </p:cSld>
+  <p:clrMapOvr>
+    <a:masterClrMapping/>
+  </p:clrMapOvr>
+</p:sld>
+</file>
+
+<file path=ppt/slides/slide12.xml><?xml version="1.0" encoding="utf-8"?>
+<p:sld xmlns:a="http://schemas.openxmlformats.org/drawingml/2006/main" xmlns:r="http://schemas.openxmlformats.org/officeDocument/2006/relationships" xmlns:p="http://schemas.openxmlformats.org/presentationml/2006/main">
+  <p:cSld>
+    <p:spTree>
+      <p:nvGrpSpPr>
+        <p:cNvPr id="1" name=""/>
+        <p:cNvGrpSpPr/>
+        <p:nvPr/>
+      </p:nvGrpSpPr>
+      <p:grpSpPr>
+        <a:xfrm>
+          <a:off x="0" y="0"/>
+          <a:ext cx="0" cy="0"/>
+          <a:chOff x="0" y="0"/>
+          <a:chExt cx="0" cy="0"/>
+        </a:xfrm>
+      </p:grpSpPr>
+      <p:sp>
+        <p:nvSpPr>
+          <p:cNvPr id="2" name="Titel 1"/>
+          <p:cNvSpPr>
+            <a:spLocks noGrp="1"/>
+          </p:cNvSpPr>
+          <p:nvPr>
+            <p:ph type="title"/>
+          </p:nvPr>
+        </p:nvSpPr>
+        <p:spPr/>
+        <p:txBody>
+          <a:bodyPr/>
+          <a:lstStyle/>
+          <a:p>
+            <a:r>
+              <a:rPr lang="de-CH" dirty="0" smtClean="0"/>
               <a:t>Blockschaltbild</a:t>
             </a:r>
             <a:endParaRPr lang="de-CH" dirty="0"/>
@@ -6055,7 +6287,33 @@
           <a:bodyPr/>
           <a:lstStyle/>
           <a:p>
-            <a:endParaRPr lang="de-CH"/>
+            <a:r>
+              <a:rPr lang="de-CH" dirty="0" smtClean="0"/>
+              <a:t>STM32F4-Discovery für analoge Werte, Steuerung H-Brücke</a:t>
+            </a:r>
+          </a:p>
+          <a:p>
+            <a:r>
+              <a:rPr lang="de-CH" dirty="0" smtClean="0"/>
+              <a:t>Rohdaten mittels UART an PC vermittelt</a:t>
+            </a:r>
+          </a:p>
+          <a:p>
+            <a:r>
+              <a:rPr lang="de-CH" dirty="0" smtClean="0"/>
+              <a:t>Auswertung mit </a:t>
+            </a:r>
+            <a:r>
+              <a:rPr lang="de-CH" dirty="0" err="1" smtClean="0"/>
+              <a:t>Matlab</a:t>
+            </a:r>
+            <a:endParaRPr lang="de-CH" dirty="0" smtClean="0"/>
+          </a:p>
+          <a:p>
+            <a:endParaRPr lang="de-CH" dirty="0" smtClean="0"/>
+          </a:p>
+          <a:p>
+            <a:endParaRPr lang="de-CH" dirty="0"/>
           </a:p>
         </p:txBody>
       </p:sp>
@@ -6080,7 +6338,7 @@
         </p:blipFill>
         <p:spPr bwMode="auto">
           <a:xfrm>
-            <a:off x="2102293" y="2730182"/>
+            <a:off x="3222625" y="3197516"/>
             <a:ext cx="5746750" cy="3074035"/>
           </a:xfrm>
           <a:prstGeom prst="rect">
@@ -6105,7 +6363,7 @@
 </p:sld>
 </file>
 
-<file path=ppt/slides/slide12.xml><?xml version="1.0" encoding="utf-8"?>
+<file path=ppt/slides/slide13.xml><?xml version="1.0" encoding="utf-8"?>
 <p:sld xmlns:a="http://schemas.openxmlformats.org/drawingml/2006/main" xmlns:r="http://schemas.openxmlformats.org/officeDocument/2006/relationships" xmlns:p="http://schemas.openxmlformats.org/presentationml/2006/main">
   <p:cSld>
     <p:spTree>
@@ -6185,24 +6443,32 @@
                       <m:sSub>
                         <m:sSubPr>
                           <m:ctrlPr>
-                            <a:rPr lang="de-CH" i="1"/>
+                            <a:rPr lang="de-CH" i="1">
+                              <a:latin typeface="Cambria Math" panose="02040503050406030204" pitchFamily="18" charset="0"/>
+                            </a:rPr>
                           </m:ctrlPr>
                         </m:sSubPr>
                         <m:e>
                           <m:r>
-                            <a:rPr lang="de-CH" i="1"/>
+                            <a:rPr lang="de-CH" i="1">
+                              <a:latin typeface="Cambria Math" panose="02040503050406030204" pitchFamily="18" charset="0"/>
+                            </a:rPr>
                             <m:t>𝑂𝑥𝑦</m:t>
                           </m:r>
                         </m:e>
                         <m:sub>
                           <m:r>
-                            <a:rPr lang="de-CH" i="1"/>
+                            <a:rPr lang="de-CH" i="1">
+                              <a:latin typeface="Cambria Math" panose="02040503050406030204" pitchFamily="18" charset="0"/>
+                            </a:rPr>
                             <m:t>𝑆𝑎𝑡</m:t>
                           </m:r>
                         </m:sub>
                       </m:sSub>
                       <m:r>
-                        <a:rPr lang="de-CH" i="1"/>
+                        <a:rPr lang="de-CH" i="1">
+                          <a:latin typeface="Cambria Math" panose="02040503050406030204" pitchFamily="18" charset="0"/>
+                        </a:rPr>
                         <m:t> </m:t>
                       </m:r>
                       <m:d>
@@ -6210,93 +6476,125 @@
                           <m:begChr m:val="["/>
                           <m:endChr m:val="]"/>
                           <m:ctrlPr>
-                            <a:rPr lang="de-CH" i="1"/>
+                            <a:rPr lang="de-CH" i="1">
+                              <a:latin typeface="Cambria Math" panose="02040503050406030204" pitchFamily="18" charset="0"/>
+                            </a:rPr>
                           </m:ctrlPr>
                         </m:dPr>
                         <m:e>
                           <m:r>
-                            <a:rPr lang="de-CH" i="1"/>
+                            <a:rPr lang="de-CH" i="1">
+                              <a:latin typeface="Cambria Math" panose="02040503050406030204" pitchFamily="18" charset="0"/>
+                            </a:rPr>
                             <m:t>%</m:t>
                           </m:r>
                         </m:e>
                       </m:d>
                       <m:r>
-                        <a:rPr lang="de-CH" i="1"/>
+                        <a:rPr lang="de-CH" i="1">
+                          <a:latin typeface="Cambria Math" panose="02040503050406030204" pitchFamily="18" charset="0"/>
+                        </a:rPr>
                         <m:t> </m:t>
                       </m:r>
                       <m:acc>
                         <m:accPr>
                           <m:chr m:val="̃"/>
                           <m:ctrlPr>
-                            <a:rPr lang="de-CH" i="1"/>
+                            <a:rPr lang="de-CH" i="1">
+                              <a:latin typeface="Cambria Math" panose="02040503050406030204" pitchFamily="18" charset="0"/>
+                            </a:rPr>
                           </m:ctrlPr>
                         </m:accPr>
                         <m:e>
                           <m:r>
-                            <a:rPr lang="de-CH" i="1"/>
+                            <a:rPr lang="de-CH" i="1">
+                              <a:latin typeface="Cambria Math" panose="02040503050406030204" pitchFamily="18" charset="0"/>
+                            </a:rPr>
                             <m:t>−</m:t>
                           </m:r>
                         </m:e>
                       </m:acc>
                       <m:r>
-                        <a:rPr lang="de-CH" i="1"/>
+                        <a:rPr lang="de-CH" i="1">
+                          <a:latin typeface="Cambria Math" panose="02040503050406030204" pitchFamily="18" charset="0"/>
+                        </a:rPr>
                         <m:t> 100∗</m:t>
                       </m:r>
                       <m:f>
                         <m:fPr>
                           <m:ctrlPr>
-                            <a:rPr lang="de-CH" i="1"/>
+                            <a:rPr lang="de-CH" i="1">
+                              <a:latin typeface="Cambria Math" panose="02040503050406030204" pitchFamily="18" charset="0"/>
+                            </a:rPr>
                           </m:ctrlPr>
                         </m:fPr>
                         <m:num>
                           <m:sSub>
                             <m:sSubPr>
                               <m:ctrlPr>
-                                <a:rPr lang="de-CH" i="1"/>
+                                <a:rPr lang="de-CH" i="1">
+                                  <a:latin typeface="Cambria Math" panose="02040503050406030204" pitchFamily="18" charset="0"/>
+                                </a:rPr>
                               </m:ctrlPr>
                             </m:sSubPr>
                             <m:e>
                               <m:r>
-                                <a:rPr lang="de-CH" i="1"/>
+                                <a:rPr lang="de-CH" i="1">
+                                  <a:latin typeface="Cambria Math" panose="02040503050406030204" pitchFamily="18" charset="0"/>
+                                </a:rPr>
                                 <m:t>𝑙𝑜𝑔</m:t>
                               </m:r>
                             </m:e>
                             <m:sub>
                               <m:r>
-                                <a:rPr lang="de-CH" i="1"/>
+                                <a:rPr lang="de-CH" i="1">
+                                  <a:latin typeface="Cambria Math" panose="02040503050406030204" pitchFamily="18" charset="0"/>
+                                </a:rPr>
                                 <m:t>10</m:t>
                               </m:r>
                             </m:sub>
                           </m:sSub>
                           <m:r>
-                            <a:rPr lang="de-CH" i="1"/>
+                            <a:rPr lang="de-CH" i="1">
+                              <a:latin typeface="Cambria Math" panose="02040503050406030204" pitchFamily="18" charset="0"/>
+                            </a:rPr>
                             <m:t>(</m:t>
                           </m:r>
                           <m:sSub>
                             <m:sSubPr>
                               <m:ctrlPr>
-                                <a:rPr lang="de-CH" i="1"/>
+                                <a:rPr lang="de-CH" i="1">
+                                  <a:latin typeface="Cambria Math" panose="02040503050406030204" pitchFamily="18" charset="0"/>
+                                </a:rPr>
                               </m:ctrlPr>
                             </m:sSubPr>
                             <m:e>
                               <m:r>
-                                <a:rPr lang="de-CH" i="1"/>
+                                <a:rPr lang="de-CH" i="1">
+                                  <a:latin typeface="Cambria Math" panose="02040503050406030204" pitchFamily="18" charset="0"/>
+                                </a:rPr>
                                 <m:t>𝑉</m:t>
                               </m:r>
                             </m:e>
                             <m:sub>
                               <m:r>
-                                <a:rPr lang="de-CH" i="1"/>
+                                <a:rPr lang="de-CH" i="1">
+                                  <a:latin typeface="Cambria Math" panose="02040503050406030204" pitchFamily="18" charset="0"/>
+                                </a:rPr>
                                 <m:t>𝑅𝑀𝑆</m:t>
                               </m:r>
                             </m:sub>
                           </m:sSub>
                           <m:r>
-                            <a:rPr lang="de-CH" i="1"/>
+                            <a:rPr lang="de-CH" i="1">
+                              <a:latin typeface="Cambria Math" panose="02040503050406030204" pitchFamily="18" charset="0"/>
+                            </a:rPr>
                             <m:t>𝑅</m:t>
                           </m:r>
                           <m:r>
-                            <a:rPr lang="de-CH" i="1"/>
+                            <a:rPr lang="de-CH" i="1">
+                              <a:latin typeface="Cambria Math" panose="02040503050406030204" pitchFamily="18" charset="0"/>
+                            </a:rPr>
                             <m:t>)</m:t>
                           </m:r>
                         </m:num>
@@ -6304,45 +6602,61 @@
                           <m:sSub>
                             <m:sSubPr>
                               <m:ctrlPr>
-                                <a:rPr lang="de-CH" i="1"/>
+                                <a:rPr lang="de-CH" i="1">
+                                  <a:latin typeface="Cambria Math" panose="02040503050406030204" pitchFamily="18" charset="0"/>
+                                </a:rPr>
                               </m:ctrlPr>
                             </m:sSubPr>
                             <m:e>
                               <m:r>
-                                <a:rPr lang="de-CH" i="1"/>
+                                <a:rPr lang="de-CH" i="1">
+                                  <a:latin typeface="Cambria Math" panose="02040503050406030204" pitchFamily="18" charset="0"/>
+                                </a:rPr>
                                 <m:t>𝑙𝑜𝑔</m:t>
                               </m:r>
                             </m:e>
                             <m:sub>
                               <m:r>
-                                <a:rPr lang="de-CH" i="1"/>
+                                <a:rPr lang="de-CH" i="1">
+                                  <a:latin typeface="Cambria Math" panose="02040503050406030204" pitchFamily="18" charset="0"/>
+                                </a:rPr>
                                 <m:t>10(</m:t>
                               </m:r>
                               <m:sSub>
                                 <m:sSubPr>
                                   <m:ctrlPr>
-                                    <a:rPr lang="de-CH" i="1"/>
+                                    <a:rPr lang="de-CH" i="1">
+                                      <a:latin typeface="Cambria Math" panose="02040503050406030204" pitchFamily="18" charset="0"/>
+                                    </a:rPr>
                                   </m:ctrlPr>
                                 </m:sSubPr>
                                 <m:e>
                                   <m:r>
-                                    <a:rPr lang="de-CH" i="1"/>
+                                    <a:rPr lang="de-CH" i="1">
+                                      <a:latin typeface="Cambria Math" panose="02040503050406030204" pitchFamily="18" charset="0"/>
+                                    </a:rPr>
                                     <m:t>𝑉</m:t>
                                   </m:r>
                                 </m:e>
                                 <m:sub>
                                   <m:r>
-                                    <a:rPr lang="de-CH" i="1"/>
+                                    <a:rPr lang="de-CH" i="1">
+                                      <a:latin typeface="Cambria Math" panose="02040503050406030204" pitchFamily="18" charset="0"/>
+                                    </a:rPr>
                                     <m:t>𝑅𝑀𝑆</m:t>
                                   </m:r>
                                 </m:sub>
                               </m:sSub>
                               <m:r>
-                                <a:rPr lang="de-CH" i="1"/>
+                                <a:rPr lang="de-CH" i="1">
+                                  <a:latin typeface="Cambria Math" panose="02040503050406030204" pitchFamily="18" charset="0"/>
+                                </a:rPr>
                                 <m:t>𝐼𝑅</m:t>
                               </m:r>
                               <m:r>
-                                <a:rPr lang="de-CH" i="1"/>
+                                <a:rPr lang="de-CH" i="1">
+                                  <a:latin typeface="Cambria Math" panose="02040503050406030204" pitchFamily="18" charset="0"/>
+                                </a:rPr>
                                 <m:t>)</m:t>
                               </m:r>
                             </m:sub>
@@ -6429,78 +6743,6 @@
 </p:sld>
 </file>
 
-<file path=ppt/slides/slide13.xml><?xml version="1.0" encoding="utf-8"?>
-<p:sld xmlns:a="http://schemas.openxmlformats.org/drawingml/2006/main" xmlns:r="http://schemas.openxmlformats.org/officeDocument/2006/relationships" xmlns:p="http://schemas.openxmlformats.org/presentationml/2006/main">
-  <p:cSld>
-    <p:spTree>
-      <p:nvGrpSpPr>
-        <p:cNvPr id="1" name=""/>
-        <p:cNvGrpSpPr/>
-        <p:nvPr/>
-      </p:nvGrpSpPr>
-      <p:grpSpPr>
-        <a:xfrm>
-          <a:off x="0" y="0"/>
-          <a:ext cx="0" cy="0"/>
-          <a:chOff x="0" y="0"/>
-          <a:chExt cx="0" cy="0"/>
-        </a:xfrm>
-      </p:grpSpPr>
-      <p:sp>
-        <p:nvSpPr>
-          <p:cNvPr id="2" name="Titel 1"/>
-          <p:cNvSpPr>
-            <a:spLocks noGrp="1"/>
-          </p:cNvSpPr>
-          <p:nvPr>
-            <p:ph type="title"/>
-          </p:nvPr>
-        </p:nvSpPr>
-        <p:spPr/>
-        <p:txBody>
-          <a:bodyPr/>
-          <a:lstStyle/>
-          <a:p>
-            <a:r>
-              <a:rPr lang="de-CH" dirty="0" smtClean="0"/>
-              <a:t>Demo Projekt</a:t>
-            </a:r>
-            <a:endParaRPr lang="de-CH" dirty="0"/>
-          </a:p>
-        </p:txBody>
-      </p:sp>
-      <p:sp>
-        <p:nvSpPr>
-          <p:cNvPr id="3" name="Inhaltsplatzhalter 2"/>
-          <p:cNvSpPr>
-            <a:spLocks noGrp="1"/>
-          </p:cNvSpPr>
-          <p:nvPr>
-            <p:ph idx="1"/>
-          </p:nvPr>
-        </p:nvSpPr>
-        <p:spPr/>
-        <p:txBody>
-          <a:bodyPr/>
-          <a:lstStyle/>
-          <a:p>
-            <a:endParaRPr lang="de-CH"/>
-          </a:p>
-        </p:txBody>
-      </p:sp>
-    </p:spTree>
-    <p:extLst>
-      <p:ext uri="{BB962C8B-B14F-4D97-AF65-F5344CB8AC3E}">
-        <p14:creationId xmlns:p14="http://schemas.microsoft.com/office/powerpoint/2010/main" val="3203837968"/>
-      </p:ext>
-    </p:extLst>
-  </p:cSld>
-  <p:clrMapOvr>
-    <a:masterClrMapping/>
-  </p:clrMapOvr>
-</p:sld>
-</file>
-
 <file path=ppt/slides/slide14.xml><?xml version="1.0" encoding="utf-8"?>
 <p:sld xmlns:a="http://schemas.openxmlformats.org/drawingml/2006/main" xmlns:r="http://schemas.openxmlformats.org/officeDocument/2006/relationships" xmlns:p="http://schemas.openxmlformats.org/presentationml/2006/main">
   <p:cSld>
@@ -6535,7 +6777,11 @@
           <a:p>
             <a:r>
               <a:rPr lang="de-CH" dirty="0" smtClean="0"/>
-              <a:t>Vergleich zu anderen Produkten</a:t>
+              <a:t>Demo </a:t>
+            </a:r>
+            <a:r>
+              <a:rPr lang="de-CH" dirty="0" smtClean="0"/>
+              <a:t>Projekt</a:t>
             </a:r>
             <a:endParaRPr lang="de-CH" dirty="0"/>
           </a:p>
@@ -6560,10 +6806,117 @@
           </a:p>
         </p:txBody>
       </p:sp>
+      <p:pic>
+        <p:nvPicPr>
+          <p:cNvPr id="4" name="Bild 6"/>
+          <p:cNvPicPr/>
+          <p:nvPr/>
+        </p:nvPicPr>
+        <p:blipFill>
+          <a:blip r:embed="rId2" cstate="print">
+            <a:extLst>
+              <a:ext uri="{BEBA8EAE-BF5A-486C-A8C5-ECC9F3942E4B}">
+                <a14:imgProps xmlns:a14="http://schemas.microsoft.com/office/drawing/2010/main">
+                  <a14:imgLayer r:embed="rId3">
+                    <a14:imgEffect>
+                      <a14:brightnessContrast bright="20000" contrast="-20000"/>
+                    </a14:imgEffect>
+                  </a14:imgLayer>
+                </a14:imgProps>
+              </a:ext>
+              <a:ext uri="{28A0092B-C50C-407E-A947-70E740481C1C}">
+                <a14:useLocalDpi xmlns:a14="http://schemas.microsoft.com/office/drawing/2010/main" val="0"/>
+              </a:ext>
+            </a:extLst>
+          </a:blip>
+          <a:stretch>
+            <a:fillRect/>
+          </a:stretch>
+        </p:blipFill>
+        <p:spPr>
+          <a:xfrm rot="5400000">
+            <a:off x="6434810" y="2319457"/>
+            <a:ext cx="3500771" cy="2722657"/>
+          </a:xfrm>
+          <a:prstGeom prst="rect">
+            <a:avLst/>
+          </a:prstGeom>
+        </p:spPr>
+      </p:pic>
+      <p:grpSp>
+        <p:nvGrpSpPr>
+          <p:cNvPr id="5" name="Gruppieren 4"/>
+          <p:cNvGrpSpPr/>
+          <p:nvPr/>
+        </p:nvGrpSpPr>
+        <p:grpSpPr>
+          <a:xfrm>
+            <a:off x="577532" y="1270000"/>
+            <a:ext cx="5973813" cy="5144058"/>
+            <a:chOff x="760412" y="650099"/>
+            <a:chExt cx="5877453" cy="5013254"/>
+          </a:xfrm>
+        </p:grpSpPr>
+        <p:pic>
+          <p:nvPicPr>
+            <p:cNvPr id="6" name="Grafik 5"/>
+            <p:cNvPicPr/>
+            <p:nvPr/>
+          </p:nvPicPr>
+          <p:blipFill>
+            <a:blip r:embed="rId4" cstate="print">
+              <a:extLst>
+                <a:ext uri="{28A0092B-C50C-407E-A947-70E740481C1C}">
+                  <a14:useLocalDpi xmlns:a14="http://schemas.microsoft.com/office/drawing/2010/main" val="0"/>
+                </a:ext>
+              </a:extLst>
+            </a:blip>
+            <a:stretch>
+              <a:fillRect/>
+            </a:stretch>
+          </p:blipFill>
+          <p:spPr>
+            <a:xfrm>
+              <a:off x="760412" y="1888913"/>
+              <a:ext cx="5032375" cy="3774440"/>
+            </a:xfrm>
+            <a:prstGeom prst="rect">
+              <a:avLst/>
+            </a:prstGeom>
+          </p:spPr>
+        </p:pic>
+        <p:pic>
+          <p:nvPicPr>
+            <p:cNvPr id="7" name="Grafik 6"/>
+            <p:cNvPicPr/>
+            <p:nvPr/>
+          </p:nvPicPr>
+          <p:blipFill rotWithShape="1">
+            <a:blip r:embed="rId5" cstate="print">
+              <a:extLst>
+                <a:ext uri="{28A0092B-C50C-407E-A947-70E740481C1C}">
+                  <a14:useLocalDpi xmlns:a14="http://schemas.microsoft.com/office/drawing/2010/main" val="0"/>
+                </a:ext>
+              </a:extLst>
+            </a:blip>
+            <a:srcRect l="1824" r="1524"/>
+            <a:stretch/>
+          </p:blipFill>
+          <p:spPr>
+            <a:xfrm>
+              <a:off x="3217332" y="650099"/>
+              <a:ext cx="3420533" cy="2300853"/>
+            </a:xfrm>
+            <a:prstGeom prst="rect">
+              <a:avLst/>
+            </a:prstGeom>
+          </p:spPr>
+        </p:pic>
+      </p:grpSp>
     </p:spTree>
     <p:extLst>
       <p:ext uri="{BB962C8B-B14F-4D97-AF65-F5344CB8AC3E}">
-        <p14:creationId xmlns:p14="http://schemas.microsoft.com/office/powerpoint/2010/main" val="3738594969"/>
+        <p14:creationId xmlns:p14="http://schemas.microsoft.com/office/powerpoint/2010/main" val="3203837968"/>
       </p:ext>
     </p:extLst>
   </p:cSld>
@@ -6607,6 +6960,155 @@
           <a:p>
             <a:r>
               <a:rPr lang="de-CH" dirty="0" smtClean="0"/>
+              <a:t>Vergleich zu anderen Produkten</a:t>
+            </a:r>
+            <a:endParaRPr lang="de-CH" dirty="0"/>
+          </a:p>
+        </p:txBody>
+      </p:sp>
+      <p:sp>
+        <p:nvSpPr>
+          <p:cNvPr id="3" name="Inhaltsplatzhalter 2"/>
+          <p:cNvSpPr>
+            <a:spLocks noGrp="1"/>
+          </p:cNvSpPr>
+          <p:nvPr>
+            <p:ph idx="1"/>
+          </p:nvPr>
+        </p:nvSpPr>
+        <p:spPr/>
+        <p:txBody>
+          <a:bodyPr/>
+          <a:lstStyle/>
+          <a:p>
+            <a:r>
+              <a:rPr lang="de-DE" dirty="0" smtClean="0"/>
+              <a:t>Produkte zum Erfassen von Pulse und SPO2 Werte (</a:t>
+            </a:r>
+            <a:r>
+              <a:rPr lang="de-DE" dirty="0" err="1" smtClean="0"/>
+              <a:t>Bspl</a:t>
+            </a:r>
+            <a:r>
+              <a:rPr lang="de-DE" dirty="0" smtClean="0"/>
+              <a:t>.)</a:t>
+            </a:r>
+          </a:p>
+          <a:p>
+            <a:pPr lvl="1"/>
+            <a:r>
+              <a:rPr lang="de-DE" dirty="0" smtClean="0"/>
+              <a:t>MAX30105 </a:t>
+            </a:r>
+            <a:r>
+              <a:rPr lang="de-DE" dirty="0"/>
+              <a:t>von Maxim </a:t>
+            </a:r>
+            <a:r>
+              <a:rPr lang="de-DE" dirty="0" smtClean="0"/>
+              <a:t>Integrated</a:t>
+            </a:r>
+          </a:p>
+          <a:p>
+            <a:pPr lvl="1"/>
+            <a:r>
+              <a:rPr lang="de-DE" dirty="0" smtClean="0"/>
+              <a:t>AFE4490 </a:t>
+            </a:r>
+            <a:r>
+              <a:rPr lang="de-DE" dirty="0"/>
+              <a:t>von </a:t>
+            </a:r>
+            <a:r>
+              <a:rPr lang="de-DE" dirty="0" smtClean="0"/>
+              <a:t>TI</a:t>
+            </a:r>
+          </a:p>
+          <a:p>
+            <a:r>
+              <a:rPr lang="de-DE" dirty="0" smtClean="0"/>
+              <a:t>Demonstrator mit: </a:t>
+            </a:r>
+            <a:r>
+              <a:rPr lang="de-DE" dirty="0" smtClean="0"/>
+              <a:t>MAX30105</a:t>
+            </a:r>
+            <a:r>
+              <a:rPr lang="de-DE" dirty="0"/>
+              <a:t>, der </a:t>
+            </a:r>
+            <a:r>
+              <a:rPr lang="de-DE" dirty="0" err="1"/>
+              <a:t>LED’s</a:t>
+            </a:r>
+            <a:r>
+              <a:rPr lang="de-DE" dirty="0"/>
+              <a:t>, Fotodiode und </a:t>
+            </a:r>
+            <a:r>
+              <a:rPr lang="de-DE" dirty="0" smtClean="0"/>
+              <a:t>AFE</a:t>
+            </a:r>
+          </a:p>
+          <a:p>
+            <a:endParaRPr lang="de-CH" dirty="0"/>
+          </a:p>
+          <a:p>
+            <a:r>
+              <a:rPr lang="de-CH" dirty="0" smtClean="0"/>
+              <a:t>Diese Produkte liefern Rohdaten =&gt; Auswertung ist dem Benutzer überlassen</a:t>
+            </a:r>
+            <a:endParaRPr lang="de-DE" dirty="0"/>
+          </a:p>
+        </p:txBody>
+      </p:sp>
+    </p:spTree>
+    <p:extLst>
+      <p:ext uri="{BB962C8B-B14F-4D97-AF65-F5344CB8AC3E}">
+        <p14:creationId xmlns:p14="http://schemas.microsoft.com/office/powerpoint/2010/main" val="3738594969"/>
+      </p:ext>
+    </p:extLst>
+  </p:cSld>
+  <p:clrMapOvr>
+    <a:masterClrMapping/>
+  </p:clrMapOvr>
+</p:sld>
+</file>
+
+<file path=ppt/slides/slide16.xml><?xml version="1.0" encoding="utf-8"?>
+<p:sld xmlns:a="http://schemas.openxmlformats.org/drawingml/2006/main" xmlns:r="http://schemas.openxmlformats.org/officeDocument/2006/relationships" xmlns:p="http://schemas.openxmlformats.org/presentationml/2006/main">
+  <p:cSld>
+    <p:spTree>
+      <p:nvGrpSpPr>
+        <p:cNvPr id="1" name=""/>
+        <p:cNvGrpSpPr/>
+        <p:nvPr/>
+      </p:nvGrpSpPr>
+      <p:grpSpPr>
+        <a:xfrm>
+          <a:off x="0" y="0"/>
+          <a:ext cx="0" cy="0"/>
+          <a:chOff x="0" y="0"/>
+          <a:chExt cx="0" cy="0"/>
+        </a:xfrm>
+      </p:grpSpPr>
+      <p:sp>
+        <p:nvSpPr>
+          <p:cNvPr id="2" name="Titel 1"/>
+          <p:cNvSpPr>
+            <a:spLocks noGrp="1"/>
+          </p:cNvSpPr>
+          <p:nvPr>
+            <p:ph type="title"/>
+          </p:nvPr>
+        </p:nvSpPr>
+        <p:spPr/>
+        <p:txBody>
+          <a:bodyPr/>
+          <a:lstStyle/>
+          <a:p>
+            <a:r>
+              <a:rPr lang="de-CH" dirty="0" smtClean="0"/>
               <a:t>Fazit und Schlusswort</a:t>
             </a:r>
             <a:endParaRPr lang="de-CH" dirty="0"/>
@@ -6625,10 +7127,93 @@
         </p:nvSpPr>
         <p:spPr/>
         <p:txBody>
-          <a:bodyPr/>
-          <a:lstStyle/>
-          <a:p>
-            <a:endParaRPr lang="de-CH"/>
+          <a:bodyPr>
+            <a:normAutofit fontScale="92500" lnSpcReduction="10000"/>
+          </a:bodyPr>
+          <a:lstStyle/>
+          <a:p>
+            <a:r>
+              <a:rPr lang="de-CH" dirty="0" smtClean="0"/>
+              <a:t>Signalaufbereitung</a:t>
+            </a:r>
+          </a:p>
+          <a:p>
+            <a:pPr lvl="1"/>
+            <a:r>
+              <a:rPr lang="de-CH" dirty="0" smtClean="0"/>
+              <a:t>schnell eine funktionierende Lösung </a:t>
+            </a:r>
+          </a:p>
+          <a:p>
+            <a:pPr lvl="1"/>
+            <a:r>
+              <a:rPr lang="de-CH" dirty="0" smtClean="0"/>
+              <a:t>Vorgehen mit Steckbrett und Beispielsensor hat sich bewährt</a:t>
+            </a:r>
+          </a:p>
+          <a:p>
+            <a:r>
+              <a:rPr lang="de-CH" dirty="0" smtClean="0"/>
+              <a:t>Berechnungen zur Sauerstoffsättigung waren zeitaufwändig</a:t>
+            </a:r>
+          </a:p>
+          <a:p>
+            <a:pPr lvl="1"/>
+            <a:r>
+              <a:rPr lang="de-CH" dirty="0" smtClean="0"/>
+              <a:t>Berechnung aus </a:t>
+            </a:r>
+            <a:r>
+              <a:rPr lang="de-CH" dirty="0" err="1" smtClean="0"/>
+              <a:t>Applications</a:t>
+            </a:r>
+            <a:r>
+              <a:rPr lang="de-CH" dirty="0" smtClean="0"/>
+              <a:t> Notes und Papers nicht vollständig nachvollziehbar («Berufsgeheimnis»)</a:t>
+            </a:r>
+          </a:p>
+          <a:p>
+            <a:pPr lvl="1"/>
+            <a:r>
+              <a:rPr lang="de-CH" dirty="0" smtClean="0"/>
+              <a:t>Fehlende Referenzmessungen zu tiefe Sauerstoffsättigung</a:t>
+            </a:r>
+            <a:endParaRPr lang="de-CH" dirty="0"/>
+          </a:p>
+          <a:p>
+            <a:r>
+              <a:rPr lang="de-CH" dirty="0" smtClean="0"/>
+              <a:t>Offene Punkte</a:t>
+            </a:r>
+          </a:p>
+          <a:p>
+            <a:pPr lvl="1"/>
+            <a:r>
+              <a:rPr lang="de-CH" dirty="0" smtClean="0"/>
+              <a:t>zwei Fehler auf PCB </a:t>
+            </a:r>
+          </a:p>
+          <a:p>
+            <a:pPr lvl="1"/>
+            <a:r>
+              <a:rPr lang="de-CH" dirty="0" smtClean="0"/>
+              <a:t>Ansatz verfolgen (1): statt LED Strom zu verändern, </a:t>
+            </a:r>
+            <a:r>
+              <a:rPr lang="de-CH" dirty="0" err="1" smtClean="0"/>
+              <a:t>Gain</a:t>
+            </a:r>
+            <a:r>
+              <a:rPr lang="de-CH" dirty="0" smtClean="0"/>
+              <a:t> und Offset von Verstärker verändern</a:t>
+            </a:r>
+          </a:p>
+          <a:p>
+            <a:pPr lvl="1"/>
+            <a:r>
+              <a:rPr lang="de-CH" dirty="0" smtClean="0"/>
+              <a:t>Ansatz verfolgen (2): Daten beim TIA abzugreifen, Filterung digital</a:t>
+            </a:r>
           </a:p>
         </p:txBody>
       </p:sp>
@@ -6645,7 +7230,7 @@
 </p:sld>
 </file>
 
-<file path=ppt/slides/slide16.xml><?xml version="1.0" encoding="utf-8"?>
+<file path=ppt/slides/slide17.xml><?xml version="1.0" encoding="utf-8"?>
 <p:sld xmlns:a="http://schemas.openxmlformats.org/drawingml/2006/main" xmlns:r="http://schemas.openxmlformats.org/officeDocument/2006/relationships" xmlns:p="http://schemas.openxmlformats.org/presentationml/2006/main">
   <p:cSld>
     <p:spTree>
@@ -7705,11 +8290,19 @@
             </a:r>
             <a:r>
               <a:rPr lang="de-CH" dirty="0" err="1" smtClean="0"/>
-              <a:t>pSpice</a:t>
+              <a:t>LT</a:t>
+            </a:r>
+            <a:r>
+              <a:rPr lang="de-CH" dirty="0" err="1" smtClean="0"/>
+              <a:t>Spice</a:t>
             </a:r>
             <a:r>
               <a:rPr lang="de-CH" dirty="0" smtClean="0"/>
-              <a:t> Simulationen</a:t>
+              <a:t> </a:t>
+            </a:r>
+            <a:r>
+              <a:rPr lang="de-CH" dirty="0" smtClean="0"/>
+              <a:t>Simulationen</a:t>
             </a:r>
             <a:endParaRPr lang="de-CH" dirty="0"/>
           </a:p>

--- a/Bericht/Oxymeter.pptx
+++ b/Bericht/Oxymeter.pptx
@@ -4,24 +4,29 @@
   <p:sldMasterIdLst>
     <p:sldMasterId id="2147483660" r:id="rId1"/>
   </p:sldMasterIdLst>
+  <p:notesMasterIdLst>
+    <p:notesMasterId r:id="rId21"/>
+  </p:notesMasterIdLst>
   <p:sldIdLst>
     <p:sldId id="256" r:id="rId2"/>
     <p:sldId id="257" r:id="rId3"/>
     <p:sldId id="258" r:id="rId4"/>
     <p:sldId id="260" r:id="rId5"/>
-    <p:sldId id="261" r:id="rId6"/>
-    <p:sldId id="262" r:id="rId7"/>
+    <p:sldId id="274" r:id="rId6"/>
+    <p:sldId id="275" r:id="rId7"/>
     <p:sldId id="263" r:id="rId8"/>
-    <p:sldId id="264" r:id="rId9"/>
-    <p:sldId id="265" r:id="rId10"/>
-    <p:sldId id="267" r:id="rId11"/>
-    <p:sldId id="273" r:id="rId12"/>
-    <p:sldId id="266" r:id="rId13"/>
-    <p:sldId id="268" r:id="rId14"/>
-    <p:sldId id="269" r:id="rId15"/>
-    <p:sldId id="270" r:id="rId16"/>
-    <p:sldId id="271" r:id="rId17"/>
-    <p:sldId id="272" r:id="rId18"/>
+    <p:sldId id="276" r:id="rId9"/>
+    <p:sldId id="279" r:id="rId10"/>
+    <p:sldId id="277" r:id="rId11"/>
+    <p:sldId id="278" r:id="rId12"/>
+    <p:sldId id="273" r:id="rId13"/>
+    <p:sldId id="280" r:id="rId14"/>
+    <p:sldId id="266" r:id="rId15"/>
+    <p:sldId id="268" r:id="rId16"/>
+    <p:sldId id="269" r:id="rId17"/>
+    <p:sldId id="270" r:id="rId18"/>
+    <p:sldId id="271" r:id="rId19"/>
+    <p:sldId id="272" r:id="rId20"/>
   </p:sldIdLst>
   <p:sldSz cx="12192000" cy="6858000"/>
   <p:notesSz cx="6858000" cy="9144000"/>
@@ -137,6 +142,440 @@
     </p:ext>
   </p:extLst>
 </p:presentation>
+</file>
+
+<file path=ppt/notesMasters/notesMaster1.xml><?xml version="1.0" encoding="utf-8"?>
+<p:notesMaster xmlns:a="http://schemas.openxmlformats.org/drawingml/2006/main" xmlns:r="http://schemas.openxmlformats.org/officeDocument/2006/relationships" xmlns:p="http://schemas.openxmlformats.org/presentationml/2006/main">
+  <p:cSld>
+    <p:bg>
+      <p:bgRef idx="1001">
+        <a:schemeClr val="bg1"/>
+      </p:bgRef>
+    </p:bg>
+    <p:spTree>
+      <p:nvGrpSpPr>
+        <p:cNvPr id="1" name=""/>
+        <p:cNvGrpSpPr/>
+        <p:nvPr/>
+      </p:nvGrpSpPr>
+      <p:grpSpPr>
+        <a:xfrm>
+          <a:off x="0" y="0"/>
+          <a:ext cx="0" cy="0"/>
+          <a:chOff x="0" y="0"/>
+          <a:chExt cx="0" cy="0"/>
+        </a:xfrm>
+      </p:grpSpPr>
+      <p:sp>
+        <p:nvSpPr>
+          <p:cNvPr id="2" name="Kopfzeilenplatzhalter 1"/>
+          <p:cNvSpPr>
+            <a:spLocks noGrp="1"/>
+          </p:cNvSpPr>
+          <p:nvPr>
+            <p:ph type="hdr" sz="quarter"/>
+          </p:nvPr>
+        </p:nvSpPr>
+        <p:spPr>
+          <a:xfrm>
+            <a:off x="0" y="0"/>
+            <a:ext cx="2971800" cy="458788"/>
+          </a:xfrm>
+          <a:prstGeom prst="rect">
+            <a:avLst/>
+          </a:prstGeom>
+        </p:spPr>
+        <p:txBody>
+          <a:bodyPr vert="horz" lIns="91440" tIns="45720" rIns="91440" bIns="45720" rtlCol="0"/>
+          <a:lstStyle>
+            <a:lvl1pPr algn="l">
+              <a:defRPr sz="1200"/>
+            </a:lvl1pPr>
+          </a:lstStyle>
+          <a:p>
+            <a:endParaRPr lang="de-CH"/>
+          </a:p>
+        </p:txBody>
+      </p:sp>
+      <p:sp>
+        <p:nvSpPr>
+          <p:cNvPr id="3" name="Datumsplatzhalter 2"/>
+          <p:cNvSpPr>
+            <a:spLocks noGrp="1"/>
+          </p:cNvSpPr>
+          <p:nvPr>
+            <p:ph type="dt" idx="1"/>
+          </p:nvPr>
+        </p:nvSpPr>
+        <p:spPr>
+          <a:xfrm>
+            <a:off x="3884613" y="0"/>
+            <a:ext cx="2971800" cy="458788"/>
+          </a:xfrm>
+          <a:prstGeom prst="rect">
+            <a:avLst/>
+          </a:prstGeom>
+        </p:spPr>
+        <p:txBody>
+          <a:bodyPr vert="horz" lIns="91440" tIns="45720" rIns="91440" bIns="45720" rtlCol="0"/>
+          <a:lstStyle>
+            <a:lvl1pPr algn="r">
+              <a:defRPr sz="1200"/>
+            </a:lvl1pPr>
+          </a:lstStyle>
+          <a:p>
+            <a:fld id="{9C45D2AC-006B-4345-8FE5-FFE2680F4F7D}" type="datetimeFigureOut">
+              <a:rPr lang="de-CH" smtClean="0"/>
+              <a:t>25.01.2019</a:t>
+            </a:fld>
+            <a:endParaRPr lang="de-CH"/>
+          </a:p>
+        </p:txBody>
+      </p:sp>
+      <p:sp>
+        <p:nvSpPr>
+          <p:cNvPr id="4" name="Folienbildplatzhalter 3"/>
+          <p:cNvSpPr>
+            <a:spLocks noGrp="1" noRot="1" noChangeAspect="1"/>
+          </p:cNvSpPr>
+          <p:nvPr>
+            <p:ph type="sldImg" idx="2"/>
+          </p:nvPr>
+        </p:nvSpPr>
+        <p:spPr>
+          <a:xfrm>
+            <a:off x="685800" y="1143000"/>
+            <a:ext cx="5486400" cy="3086100"/>
+          </a:xfrm>
+          <a:prstGeom prst="rect">
+            <a:avLst/>
+          </a:prstGeom>
+          <a:noFill/>
+          <a:ln w="12700">
+            <a:solidFill>
+              <a:prstClr val="black"/>
+            </a:solidFill>
+          </a:ln>
+        </p:spPr>
+        <p:txBody>
+          <a:bodyPr vert="horz" lIns="91440" tIns="45720" rIns="91440" bIns="45720" rtlCol="0" anchor="ctr"/>
+          <a:lstStyle/>
+          <a:p>
+            <a:endParaRPr lang="de-CH"/>
+          </a:p>
+        </p:txBody>
+      </p:sp>
+      <p:sp>
+        <p:nvSpPr>
+          <p:cNvPr id="5" name="Notizenplatzhalter 4"/>
+          <p:cNvSpPr>
+            <a:spLocks noGrp="1"/>
+          </p:cNvSpPr>
+          <p:nvPr>
+            <p:ph type="body" sz="quarter" idx="3"/>
+          </p:nvPr>
+        </p:nvSpPr>
+        <p:spPr>
+          <a:xfrm>
+            <a:off x="685800" y="4400550"/>
+            <a:ext cx="5486400" cy="3600450"/>
+          </a:xfrm>
+          <a:prstGeom prst="rect">
+            <a:avLst/>
+          </a:prstGeom>
+        </p:spPr>
+        <p:txBody>
+          <a:bodyPr vert="horz" lIns="91440" tIns="45720" rIns="91440" bIns="45720" rtlCol="0"/>
+          <a:lstStyle/>
+          <a:p>
+            <a:pPr lvl="0"/>
+            <a:r>
+              <a:rPr lang="de-DE" smtClean="0"/>
+              <a:t>Textmasterformat bearbeiten</a:t>
+            </a:r>
+          </a:p>
+          <a:p>
+            <a:pPr lvl="1"/>
+            <a:r>
+              <a:rPr lang="de-DE" smtClean="0"/>
+              <a:t>Zweite Ebene</a:t>
+            </a:r>
+          </a:p>
+          <a:p>
+            <a:pPr lvl="2"/>
+            <a:r>
+              <a:rPr lang="de-DE" smtClean="0"/>
+              <a:t>Dritte Ebene</a:t>
+            </a:r>
+          </a:p>
+          <a:p>
+            <a:pPr lvl="3"/>
+            <a:r>
+              <a:rPr lang="de-DE" smtClean="0"/>
+              <a:t>Vierte Ebene</a:t>
+            </a:r>
+          </a:p>
+          <a:p>
+            <a:pPr lvl="4"/>
+            <a:r>
+              <a:rPr lang="de-DE" smtClean="0"/>
+              <a:t>Fünfte Ebene</a:t>
+            </a:r>
+            <a:endParaRPr lang="de-CH"/>
+          </a:p>
+        </p:txBody>
+      </p:sp>
+      <p:sp>
+        <p:nvSpPr>
+          <p:cNvPr id="6" name="Fußzeilenplatzhalter 5"/>
+          <p:cNvSpPr>
+            <a:spLocks noGrp="1"/>
+          </p:cNvSpPr>
+          <p:nvPr>
+            <p:ph type="ftr" sz="quarter" idx="4"/>
+          </p:nvPr>
+        </p:nvSpPr>
+        <p:spPr>
+          <a:xfrm>
+            <a:off x="0" y="8685213"/>
+            <a:ext cx="2971800" cy="458787"/>
+          </a:xfrm>
+          <a:prstGeom prst="rect">
+            <a:avLst/>
+          </a:prstGeom>
+        </p:spPr>
+        <p:txBody>
+          <a:bodyPr vert="horz" lIns="91440" tIns="45720" rIns="91440" bIns="45720" rtlCol="0" anchor="b"/>
+          <a:lstStyle>
+            <a:lvl1pPr algn="l">
+              <a:defRPr sz="1200"/>
+            </a:lvl1pPr>
+          </a:lstStyle>
+          <a:p>
+            <a:endParaRPr lang="de-CH"/>
+          </a:p>
+        </p:txBody>
+      </p:sp>
+      <p:sp>
+        <p:nvSpPr>
+          <p:cNvPr id="7" name="Foliennummernplatzhalter 6"/>
+          <p:cNvSpPr>
+            <a:spLocks noGrp="1"/>
+          </p:cNvSpPr>
+          <p:nvPr>
+            <p:ph type="sldNum" sz="quarter" idx="5"/>
+          </p:nvPr>
+        </p:nvSpPr>
+        <p:spPr>
+          <a:xfrm>
+            <a:off x="3884613" y="8685213"/>
+            <a:ext cx="2971800" cy="458787"/>
+          </a:xfrm>
+          <a:prstGeom prst="rect">
+            <a:avLst/>
+          </a:prstGeom>
+        </p:spPr>
+        <p:txBody>
+          <a:bodyPr vert="horz" lIns="91440" tIns="45720" rIns="91440" bIns="45720" rtlCol="0" anchor="b"/>
+          <a:lstStyle>
+            <a:lvl1pPr algn="r">
+              <a:defRPr sz="1200"/>
+            </a:lvl1pPr>
+          </a:lstStyle>
+          <a:p>
+            <a:fld id="{F66613E8-CBEE-4FEC-97D2-EB0807D67571}" type="slidenum">
+              <a:rPr lang="de-CH" smtClean="0"/>
+              <a:t>‹Nr.›</a:t>
+            </a:fld>
+            <a:endParaRPr lang="de-CH"/>
+          </a:p>
+        </p:txBody>
+      </p:sp>
+    </p:spTree>
+    <p:extLst>
+      <p:ext uri="{BB962C8B-B14F-4D97-AF65-F5344CB8AC3E}">
+        <p14:creationId xmlns:p14="http://schemas.microsoft.com/office/powerpoint/2010/main" val="1998280064"/>
+      </p:ext>
+    </p:extLst>
+  </p:cSld>
+  <p:clrMap bg1="lt1" tx1="dk1" bg2="lt2" tx2="dk2" accent1="accent1" accent2="accent2" accent3="accent3" accent4="accent4" accent5="accent5" accent6="accent6" hlink="hlink" folHlink="folHlink"/>
+  <p:notesStyle>
+    <a:lvl1pPr marL="0" algn="l" defTabSz="914400" rtl="0" eaLnBrk="1" latinLnBrk="0" hangingPunct="1">
+      <a:defRPr sz="1200" kern="1200">
+        <a:solidFill>
+          <a:schemeClr val="tx1"/>
+        </a:solidFill>
+        <a:latin typeface="+mn-lt"/>
+        <a:ea typeface="+mn-ea"/>
+        <a:cs typeface="+mn-cs"/>
+      </a:defRPr>
+    </a:lvl1pPr>
+    <a:lvl2pPr marL="457200" algn="l" defTabSz="914400" rtl="0" eaLnBrk="1" latinLnBrk="0" hangingPunct="1">
+      <a:defRPr sz="1200" kern="1200">
+        <a:solidFill>
+          <a:schemeClr val="tx1"/>
+        </a:solidFill>
+        <a:latin typeface="+mn-lt"/>
+        <a:ea typeface="+mn-ea"/>
+        <a:cs typeface="+mn-cs"/>
+      </a:defRPr>
+    </a:lvl2pPr>
+    <a:lvl3pPr marL="914400" algn="l" defTabSz="914400" rtl="0" eaLnBrk="1" latinLnBrk="0" hangingPunct="1">
+      <a:defRPr sz="1200" kern="1200">
+        <a:solidFill>
+          <a:schemeClr val="tx1"/>
+        </a:solidFill>
+        <a:latin typeface="+mn-lt"/>
+        <a:ea typeface="+mn-ea"/>
+        <a:cs typeface="+mn-cs"/>
+      </a:defRPr>
+    </a:lvl3pPr>
+    <a:lvl4pPr marL="1371600" algn="l" defTabSz="914400" rtl="0" eaLnBrk="1" latinLnBrk="0" hangingPunct="1">
+      <a:defRPr sz="1200" kern="1200">
+        <a:solidFill>
+          <a:schemeClr val="tx1"/>
+        </a:solidFill>
+        <a:latin typeface="+mn-lt"/>
+        <a:ea typeface="+mn-ea"/>
+        <a:cs typeface="+mn-cs"/>
+      </a:defRPr>
+    </a:lvl4pPr>
+    <a:lvl5pPr marL="1828800" algn="l" defTabSz="914400" rtl="0" eaLnBrk="1" latinLnBrk="0" hangingPunct="1">
+      <a:defRPr sz="1200" kern="1200">
+        <a:solidFill>
+          <a:schemeClr val="tx1"/>
+        </a:solidFill>
+        <a:latin typeface="+mn-lt"/>
+        <a:ea typeface="+mn-ea"/>
+        <a:cs typeface="+mn-cs"/>
+      </a:defRPr>
+    </a:lvl5pPr>
+    <a:lvl6pPr marL="2286000" algn="l" defTabSz="914400" rtl="0" eaLnBrk="1" latinLnBrk="0" hangingPunct="1">
+      <a:defRPr sz="1200" kern="1200">
+        <a:solidFill>
+          <a:schemeClr val="tx1"/>
+        </a:solidFill>
+        <a:latin typeface="+mn-lt"/>
+        <a:ea typeface="+mn-ea"/>
+        <a:cs typeface="+mn-cs"/>
+      </a:defRPr>
+    </a:lvl6pPr>
+    <a:lvl7pPr marL="2743200" algn="l" defTabSz="914400" rtl="0" eaLnBrk="1" latinLnBrk="0" hangingPunct="1">
+      <a:defRPr sz="1200" kern="1200">
+        <a:solidFill>
+          <a:schemeClr val="tx1"/>
+        </a:solidFill>
+        <a:latin typeface="+mn-lt"/>
+        <a:ea typeface="+mn-ea"/>
+        <a:cs typeface="+mn-cs"/>
+      </a:defRPr>
+    </a:lvl7pPr>
+    <a:lvl8pPr marL="3200400" algn="l" defTabSz="914400" rtl="0" eaLnBrk="1" latinLnBrk="0" hangingPunct="1">
+      <a:defRPr sz="1200" kern="1200">
+        <a:solidFill>
+          <a:schemeClr val="tx1"/>
+        </a:solidFill>
+        <a:latin typeface="+mn-lt"/>
+        <a:ea typeface="+mn-ea"/>
+        <a:cs typeface="+mn-cs"/>
+      </a:defRPr>
+    </a:lvl8pPr>
+    <a:lvl9pPr marL="3657600" algn="l" defTabSz="914400" rtl="0" eaLnBrk="1" latinLnBrk="0" hangingPunct="1">
+      <a:defRPr sz="1200" kern="1200">
+        <a:solidFill>
+          <a:schemeClr val="tx1"/>
+        </a:solidFill>
+        <a:latin typeface="+mn-lt"/>
+        <a:ea typeface="+mn-ea"/>
+        <a:cs typeface="+mn-cs"/>
+      </a:defRPr>
+    </a:lvl9pPr>
+  </p:notesStyle>
+</p:notesMaster>
+</file>
+
+<file path=ppt/notesSlides/notesSlide1.xml><?xml version="1.0" encoding="utf-8"?>
+<p:notes xmlns:a="http://schemas.openxmlformats.org/drawingml/2006/main" xmlns:r="http://schemas.openxmlformats.org/officeDocument/2006/relationships" xmlns:p="http://schemas.openxmlformats.org/presentationml/2006/main">
+  <p:cSld>
+    <p:spTree>
+      <p:nvGrpSpPr>
+        <p:cNvPr id="1" name=""/>
+        <p:cNvGrpSpPr/>
+        <p:nvPr/>
+      </p:nvGrpSpPr>
+      <p:grpSpPr>
+        <a:xfrm>
+          <a:off x="0" y="0"/>
+          <a:ext cx="0" cy="0"/>
+          <a:chOff x="0" y="0"/>
+          <a:chExt cx="0" cy="0"/>
+        </a:xfrm>
+      </p:grpSpPr>
+      <p:sp>
+        <p:nvSpPr>
+          <p:cNvPr id="2" name="Folienbildplatzhalter 1"/>
+          <p:cNvSpPr>
+            <a:spLocks noGrp="1" noRot="1" noChangeAspect="1"/>
+          </p:cNvSpPr>
+          <p:nvPr>
+            <p:ph type="sldImg"/>
+          </p:nvPr>
+        </p:nvSpPr>
+        <p:spPr/>
+      </p:sp>
+      <p:sp>
+        <p:nvSpPr>
+          <p:cNvPr id="3" name="Notizenplatzhalter 2"/>
+          <p:cNvSpPr>
+            <a:spLocks noGrp="1"/>
+          </p:cNvSpPr>
+          <p:nvPr>
+            <p:ph type="body" idx="1"/>
+          </p:nvPr>
+        </p:nvSpPr>
+        <p:spPr/>
+        <p:txBody>
+          <a:bodyPr/>
+          <a:lstStyle/>
+          <a:p>
+            <a:endParaRPr lang="de-DE" dirty="0"/>
+          </a:p>
+        </p:txBody>
+      </p:sp>
+      <p:sp>
+        <p:nvSpPr>
+          <p:cNvPr id="4" name="Foliennummernplatzhalter 3"/>
+          <p:cNvSpPr>
+            <a:spLocks noGrp="1"/>
+          </p:cNvSpPr>
+          <p:nvPr>
+            <p:ph type="sldNum" sz="quarter" idx="10"/>
+          </p:nvPr>
+        </p:nvSpPr>
+        <p:spPr/>
+        <p:txBody>
+          <a:bodyPr/>
+          <a:lstStyle/>
+          <a:p>
+            <a:fld id="{72534271-26C6-824D-9A2B-FBA60D4484DB}" type="slidenum">
+              <a:rPr lang="de-DE" smtClean="0"/>
+              <a:t>13</a:t>
+            </a:fld>
+            <a:endParaRPr lang="de-DE"/>
+          </a:p>
+        </p:txBody>
+      </p:sp>
+    </p:spTree>
+    <p:extLst>
+      <p:ext uri="{BB962C8B-B14F-4D97-AF65-F5344CB8AC3E}">
+        <p14:creationId xmlns:p14="http://schemas.microsoft.com/office/powerpoint/2010/main" val="2219078637"/>
+      </p:ext>
+    </p:extLst>
+  </p:cSld>
+  <p:clrMapOvr>
+    <a:masterClrMapping/>
+  </p:clrMapOvr>
+</p:notes>
 </file>
 
 <file path=ppt/slideLayouts/slideLayout1.xml><?xml version="1.0" encoding="utf-8"?>
@@ -861,7 +1300,7 @@
           <a:p>
             <a:fld id="{063F93B3-155D-4179-8E29-3CEAC9F43504}" type="datetimeFigureOut">
               <a:rPr lang="de-CH" smtClean="0"/>
-              <a:t>23.01.2019</a:t>
+              <a:t>25.01.2019</a:t>
             </a:fld>
             <a:endParaRPr lang="de-CH"/>
           </a:p>
@@ -1112,7 +1551,7 @@
           <a:p>
             <a:fld id="{063F93B3-155D-4179-8E29-3CEAC9F43504}" type="datetimeFigureOut">
               <a:rPr lang="de-CH" smtClean="0"/>
-              <a:t>23.01.2019</a:t>
+              <a:t>25.01.2019</a:t>
             </a:fld>
             <a:endParaRPr lang="de-CH"/>
           </a:p>
@@ -1426,7 +1865,7 @@
           <a:p>
             <a:fld id="{063F93B3-155D-4179-8E29-3CEAC9F43504}" type="datetimeFigureOut">
               <a:rPr lang="de-CH" smtClean="0"/>
-              <a:t>23.01.2019</a:t>
+              <a:t>25.01.2019</a:t>
             </a:fld>
             <a:endParaRPr lang="de-CH"/>
           </a:p>
@@ -1767,7 +2206,7 @@
           <a:p>
             <a:fld id="{063F93B3-155D-4179-8E29-3CEAC9F43504}" type="datetimeFigureOut">
               <a:rPr lang="de-CH" smtClean="0"/>
-              <a:t>23.01.2019</a:t>
+              <a:t>25.01.2019</a:t>
             </a:fld>
             <a:endParaRPr lang="de-CH"/>
           </a:p>
@@ -2081,7 +2520,7 @@
           <a:p>
             <a:fld id="{063F93B3-155D-4179-8E29-3CEAC9F43504}" type="datetimeFigureOut">
               <a:rPr lang="de-CH" smtClean="0"/>
-              <a:t>23.01.2019</a:t>
+              <a:t>25.01.2019</a:t>
             </a:fld>
             <a:endParaRPr lang="de-CH"/>
           </a:p>
@@ -2474,7 +2913,7 @@
           <a:p>
             <a:fld id="{063F93B3-155D-4179-8E29-3CEAC9F43504}" type="datetimeFigureOut">
               <a:rPr lang="de-CH" smtClean="0"/>
-              <a:t>23.01.2019</a:t>
+              <a:t>25.01.2019</a:t>
             </a:fld>
             <a:endParaRPr lang="de-CH"/>
           </a:p>
@@ -2644,7 +3083,7 @@
           <a:p>
             <a:fld id="{063F93B3-155D-4179-8E29-3CEAC9F43504}" type="datetimeFigureOut">
               <a:rPr lang="de-CH" smtClean="0"/>
-              <a:t>23.01.2019</a:t>
+              <a:t>25.01.2019</a:t>
             </a:fld>
             <a:endParaRPr lang="de-CH"/>
           </a:p>
@@ -2824,7 +3263,7 @@
           <a:p>
             <a:fld id="{063F93B3-155D-4179-8E29-3CEAC9F43504}" type="datetimeFigureOut">
               <a:rPr lang="de-CH" smtClean="0"/>
-              <a:t>23.01.2019</a:t>
+              <a:t>25.01.2019</a:t>
             </a:fld>
             <a:endParaRPr lang="de-CH"/>
           </a:p>
@@ -3000,7 +3439,7 @@
           <a:p>
             <a:fld id="{063F93B3-155D-4179-8E29-3CEAC9F43504}" type="datetimeFigureOut">
               <a:rPr lang="de-CH" smtClean="0"/>
-              <a:t>23.01.2019</a:t>
+              <a:t>25.01.2019</a:t>
             </a:fld>
             <a:endParaRPr lang="de-CH"/>
           </a:p>
@@ -3247,7 +3686,7 @@
           <a:p>
             <a:fld id="{063F93B3-155D-4179-8E29-3CEAC9F43504}" type="datetimeFigureOut">
               <a:rPr lang="de-CH" smtClean="0"/>
-              <a:t>23.01.2019</a:t>
+              <a:t>25.01.2019</a:t>
             </a:fld>
             <a:endParaRPr lang="de-CH"/>
           </a:p>
@@ -3479,7 +3918,7 @@
           <a:p>
             <a:fld id="{063F93B3-155D-4179-8E29-3CEAC9F43504}" type="datetimeFigureOut">
               <a:rPr lang="de-CH" smtClean="0"/>
-              <a:t>23.01.2019</a:t>
+              <a:t>25.01.2019</a:t>
             </a:fld>
             <a:endParaRPr lang="de-CH"/>
           </a:p>
@@ -3853,7 +4292,7 @@
           <a:p>
             <a:fld id="{063F93B3-155D-4179-8E29-3CEAC9F43504}" type="datetimeFigureOut">
               <a:rPr lang="de-CH" smtClean="0"/>
-              <a:t>23.01.2019</a:t>
+              <a:t>25.01.2019</a:t>
             </a:fld>
             <a:endParaRPr lang="de-CH"/>
           </a:p>
@@ -3976,7 +4415,7 @@
           <a:p>
             <a:fld id="{063F93B3-155D-4179-8E29-3CEAC9F43504}" type="datetimeFigureOut">
               <a:rPr lang="de-CH" smtClean="0"/>
-              <a:t>23.01.2019</a:t>
+              <a:t>25.01.2019</a:t>
             </a:fld>
             <a:endParaRPr lang="de-CH"/>
           </a:p>
@@ -4071,7 +4510,7 @@
           <a:p>
             <a:fld id="{063F93B3-155D-4179-8E29-3CEAC9F43504}" type="datetimeFigureOut">
               <a:rPr lang="de-CH" smtClean="0"/>
-              <a:t>23.01.2019</a:t>
+              <a:t>25.01.2019</a:t>
             </a:fld>
             <a:endParaRPr lang="de-CH"/>
           </a:p>
@@ -4326,7 +4765,7 @@
           <a:p>
             <a:fld id="{063F93B3-155D-4179-8E29-3CEAC9F43504}" type="datetimeFigureOut">
               <a:rPr lang="de-CH" smtClean="0"/>
-              <a:t>23.01.2019</a:t>
+              <a:t>25.01.2019</a:t>
             </a:fld>
             <a:endParaRPr lang="de-CH"/>
           </a:p>
@@ -4589,7 +5028,7 @@
           <a:p>
             <a:fld id="{063F93B3-155D-4179-8E29-3CEAC9F43504}" type="datetimeFigureOut">
               <a:rPr lang="de-CH" smtClean="0"/>
-              <a:t>23.01.2019</a:t>
+              <a:t>25.01.2019</a:t>
             </a:fld>
             <a:endParaRPr lang="de-CH"/>
           </a:p>
@@ -5332,7 +5771,7 @@
           <a:p>
             <a:fld id="{063F93B3-155D-4179-8E29-3CEAC9F43504}" type="datetimeFigureOut">
               <a:rPr lang="de-CH" smtClean="0"/>
-              <a:t>23.01.2019</a:t>
+              <a:t>25.01.2019</a:t>
             </a:fld>
             <a:endParaRPr lang="de-CH"/>
           </a:p>
@@ -5921,7 +6360,11 @@
           <a:p>
             <a:r>
               <a:rPr lang="de-CH" dirty="0" smtClean="0"/>
-              <a:t>18.1.2019</a:t>
+              <a:t>25</a:t>
+            </a:r>
+            <a:r>
+              <a:rPr lang="de-CH" dirty="0" smtClean="0"/>
+              <a:t>.1.2019</a:t>
             </a:r>
             <a:endParaRPr lang="de-CH" dirty="0"/>
           </a:p>
@@ -5937,6 +6380,13 @@
   <p:clrMapOvr>
     <a:masterClrMapping/>
   </p:clrMapOvr>
+  <p:timing>
+    <p:tnLst>
+      <p:par>
+        <p:cTn id="1" dur="indefinite" restart="never" nodeType="tmRoot"/>
+      </p:par>
+    </p:tnLst>
+  </p:timing>
 </p:sld>
 </file>
 
@@ -5973,75 +6423,373 @@
           <a:lstStyle/>
           <a:p>
             <a:r>
-              <a:rPr lang="de-CH" dirty="0" smtClean="0"/>
-              <a:t>Schema (1)</a:t>
-            </a:r>
-            <a:endParaRPr lang="de-CH" dirty="0"/>
-          </a:p>
-        </p:txBody>
-      </p:sp>
-      <p:sp>
-        <p:nvSpPr>
-          <p:cNvPr id="3" name="Inhaltsplatzhalter 2"/>
-          <p:cNvSpPr>
-            <a:spLocks noGrp="1"/>
-          </p:cNvSpPr>
-          <p:nvPr>
-            <p:ph idx="1"/>
-          </p:nvPr>
-        </p:nvSpPr>
-        <p:spPr/>
-        <p:txBody>
-          <a:bodyPr/>
-          <a:lstStyle/>
-          <a:p>
-            <a:endParaRPr lang="de-CH" dirty="0"/>
-          </a:p>
-        </p:txBody>
-      </p:sp>
-      <p:pic>
-        <p:nvPicPr>
-          <p:cNvPr id="6" name="Bild 7" descr="/Volumes/DISK_IMG/Schema_Verstärker.PNG"/>
-          <p:cNvPicPr/>
-          <p:nvPr/>
-        </p:nvPicPr>
-        <p:blipFill>
-          <a:blip r:embed="rId2" cstate="print">
-            <a:extLst>
-              <a:ext uri="{28A0092B-C50C-407E-A947-70E740481C1C}">
-                <a14:useLocalDpi xmlns:a14="http://schemas.microsoft.com/office/drawing/2010/main" val="0"/>
-              </a:ext>
-            </a:extLst>
-          </a:blip>
-          <a:srcRect/>
-          <a:stretch>
-            <a:fillRect/>
-          </a:stretch>
-        </p:blipFill>
-        <p:spPr bwMode="auto">
-          <a:xfrm>
-            <a:off x="651366" y="1380477"/>
-            <a:ext cx="10889268" cy="5020324"/>
-          </a:xfrm>
-          <a:prstGeom prst="rect">
-            <a:avLst/>
-          </a:prstGeom>
-          <a:noFill/>
-          <a:ln>
-            <a:noFill/>
-          </a:ln>
-        </p:spPr>
-      </p:pic>
+              <a:rPr lang="de-CH" dirty="0"/>
+              <a:t>Simulation: Stabilisierung TIA</a:t>
+            </a:r>
+            <a:endParaRPr lang="de-DE" dirty="0"/>
+          </a:p>
+        </p:txBody>
+      </p:sp>
+      <mc:AlternateContent xmlns:mc="http://schemas.openxmlformats.org/markup-compatibility/2006" xmlns:a14="http://schemas.microsoft.com/office/drawing/2010/main">
+        <mc:Choice Requires="a14">
+          <p:sp>
+            <p:nvSpPr>
+              <p:cNvPr id="3" name="Inhaltsplatzhalter 2"/>
+              <p:cNvSpPr>
+                <a:spLocks noGrp="1"/>
+              </p:cNvSpPr>
+              <p:nvPr>
+                <p:ph idx="1"/>
+              </p:nvPr>
+            </p:nvSpPr>
+            <p:spPr>
+              <a:xfrm>
+                <a:off x="677333" y="2160589"/>
+                <a:ext cx="9054495" cy="3880773"/>
+              </a:xfrm>
+            </p:spPr>
+            <p:txBody>
+              <a:bodyPr/>
+              <a:lstStyle/>
+              <a:p>
+                <a14:m>
+                  <m:oMath xmlns:m="http://schemas.openxmlformats.org/officeDocument/2006/math">
+                    <m:sSub>
+                      <m:sSubPr>
+                        <m:ctrlPr>
+                          <a:rPr lang="en-US" sz="3200" i="1" smtClean="0">
+                            <a:latin typeface="Cambria Math" panose="02040503050406030204" pitchFamily="18" charset="0"/>
+                          </a:rPr>
+                        </m:ctrlPr>
+                      </m:sSubPr>
+                      <m:e>
+                        <m:r>
+                          <a:rPr lang="de-CH" sz="3200" b="0" i="1" smtClean="0">
+                            <a:latin typeface="Cambria Math" charset="0"/>
+                          </a:rPr>
+                          <m:t>𝐶</m:t>
+                        </m:r>
+                      </m:e>
+                      <m:sub>
+                        <m:r>
+                          <a:rPr lang="de-CH" sz="3200" b="0" i="1" smtClean="0">
+                            <a:latin typeface="Cambria Math" charset="0"/>
+                          </a:rPr>
+                          <m:t>𝐹</m:t>
+                        </m:r>
+                      </m:sub>
+                    </m:sSub>
+                    <m:r>
+                      <a:rPr lang="de-CH" sz="3200" b="0" i="1" smtClean="0">
+                        <a:latin typeface="Cambria Math" charset="0"/>
+                      </a:rPr>
+                      <m:t>= </m:t>
+                    </m:r>
+                    <m:f>
+                      <m:fPr>
+                        <m:ctrlPr>
+                          <a:rPr lang="mr-IN" sz="3200" b="0" i="1" smtClean="0">
+                            <a:latin typeface="Cambria Math" panose="02040503050406030204" pitchFamily="18" charset="0"/>
+                          </a:rPr>
+                        </m:ctrlPr>
+                      </m:fPr>
+                      <m:num>
+                        <m:r>
+                          <a:rPr lang="de-CH" sz="3200" b="0" i="1" smtClean="0">
+                            <a:latin typeface="Cambria Math" charset="0"/>
+                          </a:rPr>
+                          <m:t>1</m:t>
+                        </m:r>
+                      </m:num>
+                      <m:den>
+                        <m:r>
+                          <a:rPr lang="de-CH" sz="3200" b="0" i="1" smtClean="0">
+                            <a:latin typeface="Cambria Math" charset="0"/>
+                          </a:rPr>
+                          <m:t>4∗</m:t>
+                        </m:r>
+                        <m:r>
+                          <a:rPr lang="de-CH" sz="3200" b="0" i="1" smtClean="0">
+                            <a:latin typeface="Cambria Math" charset="0"/>
+                            <a:ea typeface="Cambria Math" charset="0"/>
+                            <a:cs typeface="Cambria Math" charset="0"/>
+                          </a:rPr>
+                          <m:t>𝜋</m:t>
+                        </m:r>
+                        <m:r>
+                          <a:rPr lang="de-CH" sz="3200" b="0" i="1" smtClean="0">
+                            <a:latin typeface="Cambria Math" charset="0"/>
+                            <a:ea typeface="Cambria Math" charset="0"/>
+                            <a:cs typeface="Cambria Math" charset="0"/>
+                          </a:rPr>
+                          <m:t>∗</m:t>
+                        </m:r>
+                        <m:sSub>
+                          <m:sSubPr>
+                            <m:ctrlPr>
+                              <a:rPr lang="en-US" sz="3200" b="0" i="1" smtClean="0">
+                                <a:latin typeface="Cambria Math" panose="02040503050406030204" pitchFamily="18" charset="0"/>
+                                <a:ea typeface="Cambria Math" charset="0"/>
+                                <a:cs typeface="Cambria Math" charset="0"/>
+                              </a:rPr>
+                            </m:ctrlPr>
+                          </m:sSubPr>
+                          <m:e>
+                            <m:r>
+                              <a:rPr lang="de-CH" sz="3200" b="0" i="1" smtClean="0">
+                                <a:latin typeface="Cambria Math" charset="0"/>
+                                <a:ea typeface="Cambria Math" charset="0"/>
+                                <a:cs typeface="Cambria Math" charset="0"/>
+                              </a:rPr>
+                              <m:t>𝑅</m:t>
+                            </m:r>
+                          </m:e>
+                          <m:sub>
+                            <m:r>
+                              <a:rPr lang="de-CH" sz="3200" b="0" i="1" smtClean="0">
+                                <a:latin typeface="Cambria Math" charset="0"/>
+                                <a:ea typeface="Cambria Math" charset="0"/>
+                                <a:cs typeface="Cambria Math" charset="0"/>
+                              </a:rPr>
+                              <m:t>𝐹</m:t>
+                            </m:r>
+                          </m:sub>
+                        </m:sSub>
+                        <m:r>
+                          <a:rPr lang="de-CH" sz="3200" b="0" i="1" smtClean="0">
+                            <a:latin typeface="Cambria Math" charset="0"/>
+                            <a:ea typeface="Cambria Math" charset="0"/>
+                            <a:cs typeface="Cambria Math" charset="0"/>
+                          </a:rPr>
+                          <m:t>∗</m:t>
+                        </m:r>
+                        <m:sSub>
+                          <m:sSubPr>
+                            <m:ctrlPr>
+                              <a:rPr lang="en-US" sz="3200" b="0" i="1" smtClean="0">
+                                <a:latin typeface="Cambria Math" panose="02040503050406030204" pitchFamily="18" charset="0"/>
+                                <a:ea typeface="Cambria Math" charset="0"/>
+                                <a:cs typeface="Cambria Math" charset="0"/>
+                              </a:rPr>
+                            </m:ctrlPr>
+                          </m:sSubPr>
+                          <m:e>
+                            <m:r>
+                              <a:rPr lang="de-CH" sz="3200" b="0" i="1" smtClean="0">
+                                <a:latin typeface="Cambria Math" charset="0"/>
+                                <a:ea typeface="Cambria Math" charset="0"/>
+                                <a:cs typeface="Cambria Math" charset="0"/>
+                              </a:rPr>
+                              <m:t>𝑓</m:t>
+                            </m:r>
+                          </m:e>
+                          <m:sub>
+                            <m:r>
+                              <a:rPr lang="de-CH" sz="3200" b="0" i="1" smtClean="0">
+                                <a:latin typeface="Cambria Math" charset="0"/>
+                                <a:ea typeface="Cambria Math" charset="0"/>
+                                <a:cs typeface="Cambria Math" charset="0"/>
+                              </a:rPr>
+                              <m:t>𝐺𝐵𝑊𝑃</m:t>
+                            </m:r>
+                          </m:sub>
+                        </m:sSub>
+                      </m:den>
+                    </m:f>
+                    <m:d>
+                      <m:dPr>
+                        <m:ctrlPr>
+                          <a:rPr lang="mr-IN" sz="3200" b="0" i="1" smtClean="0">
+                            <a:latin typeface="Cambria Math" panose="02040503050406030204" pitchFamily="18" charset="0"/>
+                          </a:rPr>
+                        </m:ctrlPr>
+                      </m:dPr>
+                      <m:e>
+                        <m:r>
+                          <a:rPr lang="de-CH" sz="3200" b="0" i="1" smtClean="0">
+                            <a:latin typeface="Cambria Math" charset="0"/>
+                          </a:rPr>
+                          <m:t>1+</m:t>
+                        </m:r>
+                        <m:rad>
+                          <m:radPr>
+                            <m:degHide m:val="on"/>
+                            <m:ctrlPr>
+                              <a:rPr lang="de-CH" sz="3200" b="0" i="1" smtClean="0">
+                                <a:latin typeface="Cambria Math" panose="02040503050406030204" pitchFamily="18" charset="0"/>
+                              </a:rPr>
+                            </m:ctrlPr>
+                          </m:radPr>
+                          <m:deg/>
+                          <m:e>
+                            <m:r>
+                              <a:rPr lang="de-CH" sz="3200" b="0" i="1" smtClean="0">
+                                <a:latin typeface="Cambria Math" charset="0"/>
+                              </a:rPr>
+                              <m:t>1+8∗</m:t>
+                            </m:r>
+                            <m:r>
+                              <a:rPr lang="de-CH" sz="3200" b="0" i="1" smtClean="0">
+                                <a:latin typeface="Cambria Math" charset="0"/>
+                                <a:ea typeface="Cambria Math" charset="0"/>
+                                <a:cs typeface="Cambria Math" charset="0"/>
+                              </a:rPr>
+                              <m:t>𝜋</m:t>
+                            </m:r>
+                            <m:r>
+                              <a:rPr lang="de-CH" sz="3200" b="0" i="1" smtClean="0">
+                                <a:latin typeface="Cambria Math" charset="0"/>
+                                <a:ea typeface="Cambria Math" charset="0"/>
+                                <a:cs typeface="Cambria Math" charset="0"/>
+                              </a:rPr>
+                              <m:t>∗</m:t>
+                            </m:r>
+                            <m:sSub>
+                              <m:sSubPr>
+                                <m:ctrlPr>
+                                  <a:rPr lang="en-US" sz="3200" b="0" i="1" smtClean="0">
+                                    <a:latin typeface="Cambria Math" panose="02040503050406030204" pitchFamily="18" charset="0"/>
+                                    <a:ea typeface="Cambria Math" charset="0"/>
+                                    <a:cs typeface="Cambria Math" charset="0"/>
+                                  </a:rPr>
+                                </m:ctrlPr>
+                              </m:sSubPr>
+                              <m:e>
+                                <m:r>
+                                  <a:rPr lang="de-CH" sz="3200" b="0" i="1" smtClean="0">
+                                    <a:latin typeface="Cambria Math" charset="0"/>
+                                    <a:ea typeface="Cambria Math" charset="0"/>
+                                    <a:cs typeface="Cambria Math" charset="0"/>
+                                  </a:rPr>
+                                  <m:t>𝐶</m:t>
+                                </m:r>
+                              </m:e>
+                              <m:sub>
+                                <m:r>
+                                  <a:rPr lang="de-CH" sz="3200" b="0" i="1" smtClean="0">
+                                    <a:latin typeface="Cambria Math" charset="0"/>
+                                    <a:ea typeface="Cambria Math" charset="0"/>
+                                    <a:cs typeface="Cambria Math" charset="0"/>
+                                  </a:rPr>
+                                  <m:t>𝑖</m:t>
+                                </m:r>
+                              </m:sub>
+                            </m:sSub>
+                            <m:r>
+                              <a:rPr lang="de-CH" sz="3200" b="0" i="1" smtClean="0">
+                                <a:latin typeface="Cambria Math" charset="0"/>
+                                <a:ea typeface="Cambria Math" charset="0"/>
+                                <a:cs typeface="Cambria Math" charset="0"/>
+                              </a:rPr>
+                              <m:t>∗</m:t>
+                            </m:r>
+                            <m:sSub>
+                              <m:sSubPr>
+                                <m:ctrlPr>
+                                  <a:rPr lang="en-US" sz="3200" b="0" i="1" smtClean="0">
+                                    <a:latin typeface="Cambria Math" panose="02040503050406030204" pitchFamily="18" charset="0"/>
+                                    <a:ea typeface="Cambria Math" charset="0"/>
+                                    <a:cs typeface="Cambria Math" charset="0"/>
+                                  </a:rPr>
+                                </m:ctrlPr>
+                              </m:sSubPr>
+                              <m:e>
+                                <m:r>
+                                  <a:rPr lang="de-CH" sz="3200" b="0" i="1" smtClean="0">
+                                    <a:latin typeface="Cambria Math" charset="0"/>
+                                    <a:ea typeface="Cambria Math" charset="0"/>
+                                    <a:cs typeface="Cambria Math" charset="0"/>
+                                  </a:rPr>
+                                  <m:t>𝑓</m:t>
+                                </m:r>
+                              </m:e>
+                              <m:sub>
+                                <m:r>
+                                  <a:rPr lang="de-CH" sz="3200" b="0" i="1" smtClean="0">
+                                    <a:latin typeface="Cambria Math" charset="0"/>
+                                    <a:ea typeface="Cambria Math" charset="0"/>
+                                    <a:cs typeface="Cambria Math" charset="0"/>
+                                  </a:rPr>
+                                  <m:t>𝐺𝐵𝑊𝑃</m:t>
+                                </m:r>
+                              </m:sub>
+                            </m:sSub>
+                          </m:e>
+                        </m:rad>
+                      </m:e>
+                    </m:d>
+                  </m:oMath>
+                </a14:m>
+                <a:endParaRPr lang="de-DE" sz="3200" dirty="0" smtClean="0"/>
+              </a:p>
+              <a:p>
+                <a:endParaRPr lang="de-DE" sz="3200" dirty="0"/>
+              </a:p>
+              <a:p>
+                <a:r>
+                  <a:rPr lang="de-DE" sz="3200" dirty="0" smtClean="0"/>
+                  <a:t>=&gt; ca. 0.5pF</a:t>
+                </a:r>
+                <a:endParaRPr lang="de-DE" sz="3200" dirty="0"/>
+              </a:p>
+            </p:txBody>
+          </p:sp>
+        </mc:Choice>
+        <mc:Fallback xmlns="">
+          <p:sp>
+            <p:nvSpPr>
+              <p:cNvPr id="3" name="Inhaltsplatzhalter 2"/>
+              <p:cNvSpPr>
+                <a:spLocks noGrp="1" noRot="1" noChangeAspect="1" noMove="1" noResize="1" noEditPoints="1" noAdjustHandles="1" noChangeArrowheads="1" noChangeShapeType="1" noTextEdit="1"/>
+              </p:cNvSpPr>
+              <p:nvPr>
+                <p:ph idx="1"/>
+              </p:nvPr>
+            </p:nvSpPr>
+            <p:spPr>
+              <a:xfrm>
+                <a:off x="677333" y="2160589"/>
+                <a:ext cx="9054495" cy="3880773"/>
+              </a:xfrm>
+              <a:blipFill rotWithShape="0">
+                <a:blip r:embed="rId2"/>
+                <a:stretch>
+                  <a:fillRect l="-1010"/>
+                </a:stretch>
+              </a:blipFill>
+            </p:spPr>
+            <p:txBody>
+              <a:bodyPr/>
+              <a:lstStyle/>
+              <a:p>
+                <a:r>
+                  <a:rPr lang="de-DE">
+                    <a:noFill/>
+                  </a:rPr>
+                  <a:t> </a:t>
+                </a:r>
+              </a:p>
+            </p:txBody>
+          </p:sp>
+        </mc:Fallback>
+      </mc:AlternateContent>
     </p:spTree>
     <p:extLst>
       <p:ext uri="{BB962C8B-B14F-4D97-AF65-F5344CB8AC3E}">
-        <p14:creationId xmlns:p14="http://schemas.microsoft.com/office/powerpoint/2010/main" val="852440369"/>
+        <p14:creationId xmlns:p14="http://schemas.microsoft.com/office/powerpoint/2010/main" val="1451443594"/>
       </p:ext>
     </p:extLst>
   </p:cSld>
   <p:clrMapOvr>
     <a:masterClrMapping/>
   </p:clrMapOvr>
+  <p:timing>
+    <p:tnLst>
+      <p:par>
+        <p:cTn id="1" dur="indefinite" restart="never" nodeType="tmRoot"/>
+      </p:par>
+    </p:tnLst>
+  </p:timing>
 </p:sld>
 </file>
 
@@ -6078,8 +6826,543 @@
           <a:lstStyle/>
           <a:p>
             <a:r>
+              <a:rPr lang="de-CH" dirty="0"/>
+              <a:t>Simulation: </a:t>
+            </a:r>
+            <a:r>
               <a:rPr lang="de-CH" dirty="0" smtClean="0"/>
-              <a:t>Schema (2)</a:t>
+              <a:t>Stabilisierung TIA</a:t>
+            </a:r>
+            <a:endParaRPr lang="de-DE" dirty="0"/>
+          </a:p>
+        </p:txBody>
+      </p:sp>
+      <p:sp>
+        <p:nvSpPr>
+          <p:cNvPr id="3" name="Inhaltsplatzhalter 2"/>
+          <p:cNvSpPr>
+            <a:spLocks noGrp="1"/>
+          </p:cNvSpPr>
+          <p:nvPr>
+            <p:ph idx="1"/>
+          </p:nvPr>
+        </p:nvSpPr>
+        <p:spPr>
+          <a:xfrm>
+            <a:off x="677334" y="1316166"/>
+            <a:ext cx="8970758" cy="2688353"/>
+          </a:xfrm>
+        </p:spPr>
+        <p:txBody>
+          <a:bodyPr>
+            <a:normAutofit/>
+          </a:bodyPr>
+          <a:lstStyle/>
+          <a:p>
+            <a:r>
+              <a:rPr lang="de-DE" dirty="0" smtClean="0"/>
+              <a:t>Instabil ohne Feedback Kondensator</a:t>
+            </a:r>
+          </a:p>
+        </p:txBody>
+      </p:sp>
+      <p:pic>
+        <p:nvPicPr>
+          <p:cNvPr id="6" name="Bild 5"/>
+          <p:cNvPicPr>
+            <a:picLocks noChangeAspect="1"/>
+          </p:cNvPicPr>
+          <p:nvPr/>
+        </p:nvPicPr>
+        <p:blipFill>
+          <a:blip r:embed="rId2" cstate="print">
+            <a:extLst>
+              <a:ext uri="{28A0092B-C50C-407E-A947-70E740481C1C}">
+                <a14:useLocalDpi xmlns:a14="http://schemas.microsoft.com/office/drawing/2010/main" val="0"/>
+              </a:ext>
+            </a:extLst>
+          </a:blip>
+          <a:stretch>
+            <a:fillRect/>
+          </a:stretch>
+        </p:blipFill>
+        <p:spPr>
+          <a:xfrm>
+            <a:off x="677334" y="4499902"/>
+            <a:ext cx="8970758" cy="2243573"/>
+          </a:xfrm>
+          <a:prstGeom prst="rect">
+            <a:avLst/>
+          </a:prstGeom>
+        </p:spPr>
+      </p:pic>
+      <p:sp>
+        <p:nvSpPr>
+          <p:cNvPr id="7" name="Inhaltsplatzhalter 2"/>
+          <p:cNvSpPr txBox="1">
+            <a:spLocks/>
+          </p:cNvSpPr>
+          <p:nvPr/>
+        </p:nvSpPr>
+        <p:spPr>
+          <a:xfrm>
+            <a:off x="677334" y="4055122"/>
+            <a:ext cx="8970758" cy="2688353"/>
+          </a:xfrm>
+          <a:prstGeom prst="rect">
+            <a:avLst/>
+          </a:prstGeom>
+        </p:spPr>
+        <p:txBody>
+          <a:bodyPr vert="horz" lIns="91440" tIns="45720" rIns="91440" bIns="45720" rtlCol="0">
+            <a:normAutofit/>
+          </a:bodyPr>
+          <a:lstStyle>
+            <a:lvl1pPr marL="342900" indent="-342900" algn="l" defTabSz="457200" rtl="0" eaLnBrk="1" latinLnBrk="0" hangingPunct="1">
+              <a:spcBef>
+                <a:spcPts val="1000"/>
+              </a:spcBef>
+              <a:spcAft>
+                <a:spcPts val="0"/>
+              </a:spcAft>
+              <a:buClr>
+                <a:schemeClr val="accent1"/>
+              </a:buClr>
+              <a:buSzPct val="80000"/>
+              <a:buFont typeface="Wingdings 3" charset="2"/>
+              <a:buChar char=""/>
+              <a:defRPr sz="1800" kern="1200">
+                <a:solidFill>
+                  <a:schemeClr val="tx1">
+                    <a:lumMod val="75000"/>
+                    <a:lumOff val="25000"/>
+                  </a:schemeClr>
+                </a:solidFill>
+                <a:latin typeface="+mn-lt"/>
+                <a:ea typeface="+mn-ea"/>
+                <a:cs typeface="+mn-cs"/>
+              </a:defRPr>
+            </a:lvl1pPr>
+            <a:lvl2pPr marL="742950" indent="-285750" algn="l" defTabSz="457200" rtl="0" eaLnBrk="1" latinLnBrk="0" hangingPunct="1">
+              <a:spcBef>
+                <a:spcPts val="1000"/>
+              </a:spcBef>
+              <a:spcAft>
+                <a:spcPts val="0"/>
+              </a:spcAft>
+              <a:buClr>
+                <a:schemeClr val="accent1"/>
+              </a:buClr>
+              <a:buSzPct val="80000"/>
+              <a:buFont typeface="Wingdings 3" charset="2"/>
+              <a:buChar char=""/>
+              <a:defRPr sz="1600" kern="1200">
+                <a:solidFill>
+                  <a:schemeClr val="tx1">
+                    <a:lumMod val="75000"/>
+                    <a:lumOff val="25000"/>
+                  </a:schemeClr>
+                </a:solidFill>
+                <a:latin typeface="+mn-lt"/>
+                <a:ea typeface="+mn-ea"/>
+                <a:cs typeface="+mn-cs"/>
+              </a:defRPr>
+            </a:lvl2pPr>
+            <a:lvl3pPr marL="1143000" indent="-228600" algn="l" defTabSz="457200" rtl="0" eaLnBrk="1" latinLnBrk="0" hangingPunct="1">
+              <a:spcBef>
+                <a:spcPts val="1000"/>
+              </a:spcBef>
+              <a:spcAft>
+                <a:spcPts val="0"/>
+              </a:spcAft>
+              <a:buClr>
+                <a:schemeClr val="accent1"/>
+              </a:buClr>
+              <a:buSzPct val="80000"/>
+              <a:buFont typeface="Wingdings 3" charset="2"/>
+              <a:buChar char=""/>
+              <a:defRPr sz="1400" kern="1200">
+                <a:solidFill>
+                  <a:schemeClr val="tx1">
+                    <a:lumMod val="75000"/>
+                    <a:lumOff val="25000"/>
+                  </a:schemeClr>
+                </a:solidFill>
+                <a:latin typeface="+mn-lt"/>
+                <a:ea typeface="+mn-ea"/>
+                <a:cs typeface="+mn-cs"/>
+              </a:defRPr>
+            </a:lvl3pPr>
+            <a:lvl4pPr marL="1600200" indent="-228600" algn="l" defTabSz="457200" rtl="0" eaLnBrk="1" latinLnBrk="0" hangingPunct="1">
+              <a:spcBef>
+                <a:spcPts val="1000"/>
+              </a:spcBef>
+              <a:spcAft>
+                <a:spcPts val="0"/>
+              </a:spcAft>
+              <a:buClr>
+                <a:schemeClr val="accent1"/>
+              </a:buClr>
+              <a:buSzPct val="80000"/>
+              <a:buFont typeface="Wingdings 3" charset="2"/>
+              <a:buChar char=""/>
+              <a:defRPr sz="1200" kern="1200">
+                <a:solidFill>
+                  <a:schemeClr val="tx1">
+                    <a:lumMod val="75000"/>
+                    <a:lumOff val="25000"/>
+                  </a:schemeClr>
+                </a:solidFill>
+                <a:latin typeface="+mn-lt"/>
+                <a:ea typeface="+mn-ea"/>
+                <a:cs typeface="+mn-cs"/>
+              </a:defRPr>
+            </a:lvl4pPr>
+            <a:lvl5pPr marL="2057400" indent="-228600" algn="l" defTabSz="457200" rtl="0" eaLnBrk="1" latinLnBrk="0" hangingPunct="1">
+              <a:spcBef>
+                <a:spcPts val="1000"/>
+              </a:spcBef>
+              <a:spcAft>
+                <a:spcPts val="0"/>
+              </a:spcAft>
+              <a:buClr>
+                <a:schemeClr val="accent1"/>
+              </a:buClr>
+              <a:buSzPct val="80000"/>
+              <a:buFont typeface="Wingdings 3" charset="2"/>
+              <a:buChar char=""/>
+              <a:defRPr sz="1200" kern="1200">
+                <a:solidFill>
+                  <a:schemeClr val="tx1">
+                    <a:lumMod val="75000"/>
+                    <a:lumOff val="25000"/>
+                  </a:schemeClr>
+                </a:solidFill>
+                <a:latin typeface="+mn-lt"/>
+                <a:ea typeface="+mn-ea"/>
+                <a:cs typeface="+mn-cs"/>
+              </a:defRPr>
+            </a:lvl5pPr>
+            <a:lvl6pPr marL="2514600" indent="-228600" algn="l" defTabSz="457200" rtl="0" eaLnBrk="1" latinLnBrk="0" hangingPunct="1">
+              <a:spcBef>
+                <a:spcPts val="1000"/>
+              </a:spcBef>
+              <a:spcAft>
+                <a:spcPts val="0"/>
+              </a:spcAft>
+              <a:buClr>
+                <a:schemeClr val="accent1"/>
+              </a:buClr>
+              <a:buSzPct val="80000"/>
+              <a:buFont typeface="Wingdings 3" charset="2"/>
+              <a:buChar char=""/>
+              <a:defRPr sz="1200" kern="1200">
+                <a:solidFill>
+                  <a:schemeClr val="tx1">
+                    <a:lumMod val="75000"/>
+                    <a:lumOff val="25000"/>
+                  </a:schemeClr>
+                </a:solidFill>
+                <a:latin typeface="+mn-lt"/>
+                <a:ea typeface="+mn-ea"/>
+                <a:cs typeface="+mn-cs"/>
+              </a:defRPr>
+            </a:lvl6pPr>
+            <a:lvl7pPr marL="2971800" indent="-228600" algn="l" defTabSz="457200" rtl="0" eaLnBrk="1" latinLnBrk="0" hangingPunct="1">
+              <a:spcBef>
+                <a:spcPts val="1000"/>
+              </a:spcBef>
+              <a:spcAft>
+                <a:spcPts val="0"/>
+              </a:spcAft>
+              <a:buClr>
+                <a:schemeClr val="accent1"/>
+              </a:buClr>
+              <a:buSzPct val="80000"/>
+              <a:buFont typeface="Wingdings 3" charset="2"/>
+              <a:buChar char=""/>
+              <a:defRPr sz="1200" kern="1200">
+                <a:solidFill>
+                  <a:schemeClr val="tx1">
+                    <a:lumMod val="75000"/>
+                    <a:lumOff val="25000"/>
+                  </a:schemeClr>
+                </a:solidFill>
+                <a:latin typeface="+mn-lt"/>
+                <a:ea typeface="+mn-ea"/>
+                <a:cs typeface="+mn-cs"/>
+              </a:defRPr>
+            </a:lvl7pPr>
+            <a:lvl8pPr marL="3429000" indent="-228600" algn="l" defTabSz="457200" rtl="0" eaLnBrk="1" latinLnBrk="0" hangingPunct="1">
+              <a:spcBef>
+                <a:spcPts val="1000"/>
+              </a:spcBef>
+              <a:spcAft>
+                <a:spcPts val="0"/>
+              </a:spcAft>
+              <a:buClr>
+                <a:schemeClr val="accent1"/>
+              </a:buClr>
+              <a:buSzPct val="80000"/>
+              <a:buFont typeface="Wingdings 3" charset="2"/>
+              <a:buChar char=""/>
+              <a:defRPr sz="1200" kern="1200">
+                <a:solidFill>
+                  <a:schemeClr val="tx1">
+                    <a:lumMod val="75000"/>
+                    <a:lumOff val="25000"/>
+                  </a:schemeClr>
+                </a:solidFill>
+                <a:latin typeface="+mn-lt"/>
+                <a:ea typeface="+mn-ea"/>
+                <a:cs typeface="+mn-cs"/>
+              </a:defRPr>
+            </a:lvl8pPr>
+            <a:lvl9pPr marL="3886200" indent="-228600" algn="l" defTabSz="457200" rtl="0" eaLnBrk="1" latinLnBrk="0" hangingPunct="1">
+              <a:spcBef>
+                <a:spcPts val="1000"/>
+              </a:spcBef>
+              <a:spcAft>
+                <a:spcPts val="0"/>
+              </a:spcAft>
+              <a:buClr>
+                <a:schemeClr val="accent1"/>
+              </a:buClr>
+              <a:buSzPct val="80000"/>
+              <a:buFont typeface="Wingdings 3" charset="2"/>
+              <a:buChar char=""/>
+              <a:defRPr sz="1200" kern="1200">
+                <a:solidFill>
+                  <a:schemeClr val="tx1">
+                    <a:lumMod val="75000"/>
+                    <a:lumOff val="25000"/>
+                  </a:schemeClr>
+                </a:solidFill>
+                <a:latin typeface="+mn-lt"/>
+                <a:ea typeface="+mn-ea"/>
+                <a:cs typeface="+mn-cs"/>
+              </a:defRPr>
+            </a:lvl9pPr>
+          </a:lstStyle>
+          <a:p>
+            <a:r>
+              <a:rPr lang="de-DE" dirty="0" smtClean="0"/>
+              <a:t>Stabil mit Feedback Kondensator 270pF</a:t>
+            </a:r>
+            <a:endParaRPr lang="de-DE" dirty="0"/>
+          </a:p>
+        </p:txBody>
+      </p:sp>
+      <p:pic>
+        <p:nvPicPr>
+          <p:cNvPr id="8" name="Bild 7"/>
+          <p:cNvPicPr>
+            <a:picLocks noChangeAspect="1"/>
+          </p:cNvPicPr>
+          <p:nvPr/>
+        </p:nvPicPr>
+        <p:blipFill>
+          <a:blip r:embed="rId3" cstate="print">
+            <a:extLst>
+              <a:ext uri="{28A0092B-C50C-407E-A947-70E740481C1C}">
+                <a14:useLocalDpi xmlns:a14="http://schemas.microsoft.com/office/drawing/2010/main" val="0"/>
+              </a:ext>
+            </a:extLst>
+          </a:blip>
+          <a:stretch>
+            <a:fillRect/>
+          </a:stretch>
+        </p:blipFill>
+        <p:spPr>
+          <a:xfrm>
+            <a:off x="677334" y="1711151"/>
+            <a:ext cx="8970758" cy="2240922"/>
+          </a:xfrm>
+          <a:prstGeom prst="rect">
+            <a:avLst/>
+          </a:prstGeom>
+        </p:spPr>
+      </p:pic>
+    </p:spTree>
+    <p:extLst>
+      <p:ext uri="{BB962C8B-B14F-4D97-AF65-F5344CB8AC3E}">
+        <p14:creationId xmlns:p14="http://schemas.microsoft.com/office/powerpoint/2010/main" val="678578631"/>
+      </p:ext>
+    </p:extLst>
+  </p:cSld>
+  <p:clrMapOvr>
+    <a:masterClrMapping/>
+  </p:clrMapOvr>
+  <p:timing>
+    <p:tnLst>
+      <p:par>
+        <p:cTn id="1" dur="indefinite" restart="never" nodeType="tmRoot">
+          <p:childTnLst>
+            <p:seq concurrent="1" nextAc="seek">
+              <p:cTn id="2" dur="indefinite" nodeType="mainSeq">
+                <p:childTnLst>
+                  <p:par>
+                    <p:cTn id="3" fill="hold">
+                      <p:stCondLst>
+                        <p:cond delay="indefinite"/>
+                      </p:stCondLst>
+                      <p:childTnLst>
+                        <p:par>
+                          <p:cTn id="4" fill="hold">
+                            <p:stCondLst>
+                              <p:cond delay="0"/>
+                            </p:stCondLst>
+                            <p:childTnLst>
+                              <p:par>
+                                <p:cTn id="5" presetID="1" presetClass="entr" presetSubtype="0" fill="hold" grpId="0" nodeType="clickEffect">
+                                  <p:stCondLst>
+                                    <p:cond delay="0"/>
+                                  </p:stCondLst>
+                                  <p:childTnLst>
+                                    <p:set>
+                                      <p:cBhvr>
+                                        <p:cTn id="6" dur="1" fill="hold">
+                                          <p:stCondLst>
+                                            <p:cond delay="0"/>
+                                          </p:stCondLst>
+                                        </p:cTn>
+                                        <p:tgtEl>
+                                          <p:spTgt spid="3">
+                                            <p:txEl>
+                                              <p:pRg st="0" end="0"/>
+                                            </p:txEl>
+                                          </p:spTgt>
+                                        </p:tgtEl>
+                                        <p:attrNameLst>
+                                          <p:attrName>style.visibility</p:attrName>
+                                        </p:attrNameLst>
+                                      </p:cBhvr>
+                                      <p:to>
+                                        <p:strVal val="visible"/>
+                                      </p:to>
+                                    </p:set>
+                                  </p:childTnLst>
+                                </p:cTn>
+                              </p:par>
+                            </p:childTnLst>
+                          </p:cTn>
+                        </p:par>
+                      </p:childTnLst>
+                    </p:cTn>
+                  </p:par>
+                  <p:par>
+                    <p:cTn id="7" fill="hold">
+                      <p:stCondLst>
+                        <p:cond delay="indefinite"/>
+                      </p:stCondLst>
+                      <p:childTnLst>
+                        <p:par>
+                          <p:cTn id="8" fill="hold">
+                            <p:stCondLst>
+                              <p:cond delay="0"/>
+                            </p:stCondLst>
+                            <p:childTnLst>
+                              <p:par>
+                                <p:cTn id="9" presetID="1" presetClass="entr" presetSubtype="0" fill="hold" grpId="0" nodeType="clickEffect">
+                                  <p:stCondLst>
+                                    <p:cond delay="0"/>
+                                  </p:stCondLst>
+                                  <p:childTnLst>
+                                    <p:set>
+                                      <p:cBhvr>
+                                        <p:cTn id="10" dur="1" fill="hold">
+                                          <p:stCondLst>
+                                            <p:cond delay="0"/>
+                                          </p:stCondLst>
+                                        </p:cTn>
+                                        <p:tgtEl>
+                                          <p:spTgt spid="7"/>
+                                        </p:tgtEl>
+                                        <p:attrNameLst>
+                                          <p:attrName>style.visibility</p:attrName>
+                                        </p:attrNameLst>
+                                      </p:cBhvr>
+                                      <p:to>
+                                        <p:strVal val="visible"/>
+                                      </p:to>
+                                    </p:set>
+                                  </p:childTnLst>
+                                </p:cTn>
+                              </p:par>
+                            </p:childTnLst>
+                          </p:cTn>
+                        </p:par>
+                      </p:childTnLst>
+                    </p:cTn>
+                  </p:par>
+                </p:childTnLst>
+              </p:cTn>
+              <p:prevCondLst>
+                <p:cond evt="onPrev" delay="0">
+                  <p:tgtEl>
+                    <p:sldTgt/>
+                  </p:tgtEl>
+                </p:cond>
+              </p:prevCondLst>
+              <p:nextCondLst>
+                <p:cond evt="onNext" delay="0">
+                  <p:tgtEl>
+                    <p:sldTgt/>
+                  </p:tgtEl>
+                </p:cond>
+              </p:nextCondLst>
+            </p:seq>
+          </p:childTnLst>
+        </p:cTn>
+      </p:par>
+    </p:tnLst>
+    <p:bldLst>
+      <p:bldP spid="3" grpId="0" build="p"/>
+      <p:bldP spid="7" grpId="0"/>
+    </p:bldLst>
+  </p:timing>
+</p:sld>
+</file>
+
+<file path=ppt/slides/slide12.xml><?xml version="1.0" encoding="utf-8"?>
+<p:sld xmlns:a="http://schemas.openxmlformats.org/drawingml/2006/main" xmlns:r="http://schemas.openxmlformats.org/officeDocument/2006/relationships" xmlns:p="http://schemas.openxmlformats.org/presentationml/2006/main">
+  <p:cSld>
+    <p:spTree>
+      <p:nvGrpSpPr>
+        <p:cNvPr id="1" name=""/>
+        <p:cNvGrpSpPr/>
+        <p:nvPr/>
+      </p:nvGrpSpPr>
+      <p:grpSpPr>
+        <a:xfrm>
+          <a:off x="0" y="0"/>
+          <a:ext cx="0" cy="0"/>
+          <a:chOff x="0" y="0"/>
+          <a:chExt cx="0" cy="0"/>
+        </a:xfrm>
+      </p:grpSpPr>
+      <p:sp>
+        <p:nvSpPr>
+          <p:cNvPr id="2" name="Titel 1"/>
+          <p:cNvSpPr>
+            <a:spLocks noGrp="1"/>
+          </p:cNvSpPr>
+          <p:nvPr>
+            <p:ph type="title"/>
+          </p:nvPr>
+        </p:nvSpPr>
+        <p:spPr/>
+        <p:txBody>
+          <a:bodyPr/>
+          <a:lstStyle/>
+          <a:p>
+            <a:r>
+              <a:rPr lang="de-CH" dirty="0" smtClean="0"/>
+              <a:t>Schema </a:t>
+            </a:r>
+            <a:r>
+              <a:rPr lang="de-CH" dirty="0" smtClean="0"/>
+              <a:t>H-Brücke</a:t>
             </a:r>
             <a:endParaRPr lang="de-CH" dirty="0"/>
           </a:p>
@@ -6225,10 +7508,157 @@
   <p:clrMapOvr>
     <a:masterClrMapping/>
   </p:clrMapOvr>
+  <p:timing>
+    <p:tnLst>
+      <p:par>
+        <p:cTn id="1" dur="indefinite" restart="never" nodeType="tmRoot"/>
+      </p:par>
+    </p:tnLst>
+  </p:timing>
 </p:sld>
 </file>
 
-<file path=ppt/slides/slide12.xml><?xml version="1.0" encoding="utf-8"?>
+<file path=ppt/slides/slide13.xml><?xml version="1.0" encoding="utf-8"?>
+<p:sld xmlns:a="http://schemas.openxmlformats.org/drawingml/2006/main" xmlns:r="http://schemas.openxmlformats.org/officeDocument/2006/relationships" xmlns:p="http://schemas.openxmlformats.org/presentationml/2006/main">
+  <p:cSld>
+    <p:spTree>
+      <p:nvGrpSpPr>
+        <p:cNvPr id="1" name=""/>
+        <p:cNvGrpSpPr/>
+        <p:nvPr/>
+      </p:nvGrpSpPr>
+      <p:grpSpPr>
+        <a:xfrm>
+          <a:off x="0" y="0"/>
+          <a:ext cx="0" cy="0"/>
+          <a:chOff x="0" y="0"/>
+          <a:chExt cx="0" cy="0"/>
+        </a:xfrm>
+      </p:grpSpPr>
+      <p:sp>
+        <p:nvSpPr>
+          <p:cNvPr id="2" name="Titel 1"/>
+          <p:cNvSpPr>
+            <a:spLocks noGrp="1"/>
+          </p:cNvSpPr>
+          <p:nvPr>
+            <p:ph type="title"/>
+          </p:nvPr>
+        </p:nvSpPr>
+        <p:spPr/>
+        <p:txBody>
+          <a:bodyPr/>
+          <a:lstStyle/>
+          <a:p>
+            <a:r>
+              <a:rPr lang="de-DE" dirty="0" smtClean="0"/>
+              <a:t>Schema Filter, Verstärker</a:t>
+            </a:r>
+            <a:endParaRPr lang="de-DE" dirty="0"/>
+          </a:p>
+        </p:txBody>
+      </p:sp>
+      <p:sp>
+        <p:nvSpPr>
+          <p:cNvPr id="5" name="Inhaltsplatzhalter 4"/>
+          <p:cNvSpPr>
+            <a:spLocks noGrp="1"/>
+          </p:cNvSpPr>
+          <p:nvPr>
+            <p:ph idx="1"/>
+          </p:nvPr>
+        </p:nvSpPr>
+        <p:spPr>
+          <a:xfrm>
+            <a:off x="677334" y="1527543"/>
+            <a:ext cx="10398330" cy="5037084"/>
+          </a:xfrm>
+        </p:spPr>
+        <p:txBody>
+          <a:bodyPr/>
+          <a:lstStyle/>
+          <a:p>
+            <a:r>
+              <a:rPr lang="de-DE" dirty="0" smtClean="0"/>
+              <a:t>TIA</a:t>
+            </a:r>
+          </a:p>
+          <a:p>
+            <a:r>
+              <a:rPr lang="de-DE" dirty="0" smtClean="0"/>
+              <a:t>LP, </a:t>
+            </a:r>
+            <a:r>
+              <a:rPr lang="de-DE" dirty="0" err="1" smtClean="0"/>
+              <a:t>Notch</a:t>
+            </a:r>
+            <a:r>
+              <a:rPr lang="de-DE" dirty="0" smtClean="0"/>
+              <a:t>, HP, LP</a:t>
+            </a:r>
+          </a:p>
+          <a:p>
+            <a:r>
+              <a:rPr lang="de-DE" dirty="0" smtClean="0"/>
+              <a:t>Verstärker G=45</a:t>
+            </a:r>
+          </a:p>
+          <a:p>
+            <a:endParaRPr lang="de-DE" dirty="0"/>
+          </a:p>
+        </p:txBody>
+      </p:sp>
+      <p:pic>
+        <p:nvPicPr>
+          <p:cNvPr id="6" name="Inhaltsplatzhalter 3"/>
+          <p:cNvPicPr>
+            <a:picLocks noChangeAspect="1"/>
+          </p:cNvPicPr>
+          <p:nvPr/>
+        </p:nvPicPr>
+        <p:blipFill>
+          <a:blip r:embed="rId3">
+            <a:extLst>
+              <a:ext uri="{28A0092B-C50C-407E-A947-70E740481C1C}">
+                <a14:useLocalDpi xmlns:a14="http://schemas.microsoft.com/office/drawing/2010/main" val="0"/>
+              </a:ext>
+            </a:extLst>
+          </a:blip>
+          <a:stretch>
+            <a:fillRect/>
+          </a:stretch>
+        </p:blipFill>
+        <p:spPr>
+          <a:xfrm>
+            <a:off x="372533" y="3195221"/>
+            <a:ext cx="11534137" cy="3217301"/>
+          </a:xfrm>
+          <a:prstGeom prst="rect">
+            <a:avLst/>
+          </a:prstGeom>
+        </p:spPr>
+      </p:pic>
+    </p:spTree>
+    <p:extLst>
+      <p:ext uri="{BB962C8B-B14F-4D97-AF65-F5344CB8AC3E}">
+        <p14:creationId xmlns:p14="http://schemas.microsoft.com/office/powerpoint/2010/main" val="194176524"/>
+      </p:ext>
+    </p:extLst>
+  </p:cSld>
+  <p:clrMapOvr>
+    <a:masterClrMapping/>
+  </p:clrMapOvr>
+  <p:timing>
+    <p:tnLst>
+      <p:par>
+        <p:cTn id="1" dur="indefinite" restart="never" nodeType="tmRoot"/>
+      </p:par>
+    </p:tnLst>
+  </p:timing>
+</p:sld>
+</file>
+
+<file path=ppt/slides/slide14.xml><?xml version="1.0" encoding="utf-8"?>
 <p:sld xmlns:a="http://schemas.openxmlformats.org/drawingml/2006/main" xmlns:r="http://schemas.openxmlformats.org/officeDocument/2006/relationships" xmlns:p="http://schemas.openxmlformats.org/presentationml/2006/main">
   <p:cSld>
     <p:spTree>
@@ -6334,7 +7764,7 @@
         </p:blipFill>
         <p:spPr bwMode="auto">
           <a:xfrm>
-            <a:off x="3222625" y="3197516"/>
+            <a:off x="3222625" y="3597566"/>
             <a:ext cx="5746750" cy="3074035"/>
           </a:xfrm>
           <a:prstGeom prst="rect">
@@ -6359,7 +7789,7 @@
 </p:sld>
 </file>
 
-<file path=ppt/slides/slide13.xml><?xml version="1.0" encoding="utf-8"?>
+<file path=ppt/slides/slide15.xml><?xml version="1.0" encoding="utf-8"?>
 <p:sld xmlns:a="http://schemas.openxmlformats.org/drawingml/2006/main" xmlns:r="http://schemas.openxmlformats.org/officeDocument/2006/relationships" xmlns:p="http://schemas.openxmlformats.org/presentationml/2006/main">
   <p:cSld>
     <p:spTree>
@@ -6739,7 +8169,7 @@
 </p:sld>
 </file>
 
-<file path=ppt/slides/slide14.xml><?xml version="1.0" encoding="utf-8"?>
+<file path=ppt/slides/slide16.xml><?xml version="1.0" encoding="utf-8"?>
 <p:sld xmlns:a="http://schemas.openxmlformats.org/drawingml/2006/main" xmlns:r="http://schemas.openxmlformats.org/officeDocument/2006/relationships" xmlns:p="http://schemas.openxmlformats.org/presentationml/2006/main">
   <p:cSld>
     <p:spTree>
@@ -6918,7 +8348,7 @@
 </p:sld>
 </file>
 
-<file path=ppt/slides/slide15.xml><?xml version="1.0" encoding="utf-8"?>
+<file path=ppt/slides/slide17.xml><?xml version="1.0" encoding="utf-8"?>
 <p:sld xmlns:a="http://schemas.openxmlformats.org/drawingml/2006/main" xmlns:r="http://schemas.openxmlformats.org/officeDocument/2006/relationships" xmlns:p="http://schemas.openxmlformats.org/presentationml/2006/main">
   <p:cSld>
     <p:spTree>
@@ -7063,7 +8493,7 @@
 </p:sld>
 </file>
 
-<file path=ppt/slides/slide16.xml><?xml version="1.0" encoding="utf-8"?>
+<file path=ppt/slides/slide18.xml><?xml version="1.0" encoding="utf-8"?>
 <p:sld xmlns:a="http://schemas.openxmlformats.org/drawingml/2006/main" xmlns:r="http://schemas.openxmlformats.org/officeDocument/2006/relationships" xmlns:p="http://schemas.openxmlformats.org/presentationml/2006/main">
   <p:cSld>
     <p:spTree>
@@ -7218,7 +8648,7 @@
 </p:sld>
 </file>
 
-<file path=ppt/slides/slide17.xml><?xml version="1.0" encoding="utf-8"?>
+<file path=ppt/slides/slide19.xml><?xml version="1.0" encoding="utf-8"?>
 <p:sld xmlns:a="http://schemas.openxmlformats.org/drawingml/2006/main" xmlns:r="http://schemas.openxmlformats.org/officeDocument/2006/relationships" xmlns:p="http://schemas.openxmlformats.org/presentationml/2006/main">
   <p:cSld>
     <p:spTree>
@@ -7427,6 +8857,13 @@
   <p:clrMapOvr>
     <a:masterClrMapping/>
   </p:clrMapOvr>
+  <p:timing>
+    <p:tnLst>
+      <p:par>
+        <p:cTn id="1" dur="indefinite" restart="never" nodeType="tmRoot"/>
+      </p:par>
+    </p:tnLst>
+  </p:timing>
 </p:sld>
 </file>
 
@@ -7486,25 +8923,30 @@
           <a:lstStyle/>
           <a:p>
             <a:r>
+              <a:rPr lang="de-CH" dirty="0"/>
+              <a:t>Elektronik bauen zum Aufnehmen und Aufbereiten (Signal </a:t>
+            </a:r>
+            <a:r>
+              <a:rPr lang="de-CH" dirty="0" err="1"/>
+              <a:t>Conditioning</a:t>
+            </a:r>
+            <a:r>
+              <a:rPr lang="de-CH" dirty="0"/>
+              <a:t>) von «</a:t>
+            </a:r>
+            <a:r>
+              <a:rPr lang="de-CH" dirty="0" err="1"/>
+              <a:t>Pulsoxymetrie</a:t>
+            </a:r>
+            <a:r>
+              <a:rPr lang="de-CH" dirty="0"/>
+              <a:t>» Rohdaten (Lichtsensor Infrarot und Rot</a:t>
+            </a:r>
+            <a:r>
               <a:rPr lang="de-CH" dirty="0" smtClean="0"/>
-              <a:t>Device / Elektronik bauen zum Aufnehmen u. Aufbereiten (Signal </a:t>
-            </a:r>
-            <a:r>
-              <a:rPr lang="de-CH" dirty="0" err="1" smtClean="0"/>
-              <a:t>Conditioning</a:t>
-            </a:r>
-            <a:r>
-              <a:rPr lang="de-CH" dirty="0" smtClean="0"/>
-              <a:t>) von «</a:t>
-            </a:r>
-            <a:r>
-              <a:rPr lang="de-CH" dirty="0" err="1" smtClean="0"/>
-              <a:t>Pulsoxymetrie</a:t>
-            </a:r>
-            <a:r>
-              <a:rPr lang="de-CH" dirty="0" smtClean="0"/>
-              <a:t>» Rohdaten (Lichtsensor Infrarot und Rot)</a:t>
-            </a:r>
+              <a:t>)</a:t>
+            </a:r>
+            <a:endParaRPr lang="de-CH" dirty="0" smtClean="0"/>
           </a:p>
           <a:p>
             <a:r>
@@ -7547,6 +8989,13 @@
   <p:clrMapOvr>
     <a:masterClrMapping/>
   </p:clrMapOvr>
+  <p:timing>
+    <p:tnLst>
+      <p:par>
+        <p:cTn id="1" dur="indefinite" restart="never" nodeType="tmRoot"/>
+      </p:par>
+    </p:tnLst>
+  </p:timing>
 </p:sld>
 </file>
 
@@ -7616,18 +9065,22 @@
               <a:t>LED </a:t>
             </a:r>
             <a:r>
-              <a:rPr lang="de-CH" dirty="0" err="1" smtClean="0"/>
-              <a:t>Ifrarot</a:t>
-            </a:r>
-            <a:r>
               <a:rPr lang="de-CH" dirty="0" smtClean="0"/>
-              <a:t> – 940nm</a:t>
-            </a:r>
-          </a:p>
-          <a:p>
-            <a:r>
-              <a:rPr lang="de-CH" dirty="0" err="1" smtClean="0"/>
-              <a:t>Photodiode</a:t>
+              <a:t>Infrarot </a:t>
+            </a:r>
+            <a:r>
+              <a:rPr lang="de-CH" dirty="0" smtClean="0"/>
+              <a:t>– 940nm</a:t>
+            </a:r>
+          </a:p>
+          <a:p>
+            <a:r>
+              <a:rPr lang="de-CH" dirty="0"/>
+              <a:t>F</a:t>
+            </a:r>
+            <a:r>
+              <a:rPr lang="de-CH" dirty="0" smtClean="0"/>
+              <a:t>otodiode</a:t>
             </a:r>
             <a:endParaRPr lang="de-CH" dirty="0"/>
           </a:p>
@@ -7678,6 +9131,13 @@
   <p:clrMapOvr>
     <a:masterClrMapping/>
   </p:clrMapOvr>
+  <p:timing>
+    <p:tnLst>
+      <p:par>
+        <p:cTn id="1" dur="indefinite" restart="never" nodeType="tmRoot"/>
+      </p:par>
+    </p:tnLst>
+  </p:timing>
 </p:sld>
 </file>
 
@@ -7758,15 +9218,7 @@
           <a:p>
             <a:r>
               <a:rPr lang="de-CH" dirty="0" smtClean="0"/>
-              <a:t>Sauerstoffsättigung: Verhältnis von HbO2 (Oxyhämoglobin) u. Hb (</a:t>
-            </a:r>
-            <a:r>
-              <a:rPr lang="de-CH" dirty="0" err="1" smtClean="0"/>
-              <a:t>Hämoglibin</a:t>
-            </a:r>
-            <a:r>
-              <a:rPr lang="de-CH" dirty="0" smtClean="0"/>
-              <a:t>)</a:t>
+              <a:t>Sauerstoffsättigung: Verhältnis von HbO2 (Oxyhämoglobin) u. Hb (Hämoglobin)</a:t>
             </a:r>
             <a:endParaRPr lang="de-CH" dirty="0"/>
           </a:p>
@@ -7791,7 +9243,7 @@
         </p:blipFill>
         <p:spPr bwMode="auto">
           <a:xfrm>
-            <a:off x="5110103" y="3263374"/>
+            <a:off x="4975668" y="3849823"/>
             <a:ext cx="4745137" cy="3008177"/>
           </a:xfrm>
           <a:prstGeom prst="rect">
@@ -7824,7 +9276,7 @@
         </p:blipFill>
         <p:spPr bwMode="auto">
           <a:xfrm>
-            <a:off x="197696" y="3432492"/>
+            <a:off x="0" y="3715385"/>
             <a:ext cx="4560570" cy="3142615"/>
           </a:xfrm>
           <a:prstGeom prst="rect">
@@ -7839,13 +9291,20 @@
     </p:spTree>
     <p:extLst>
       <p:ext uri="{BB962C8B-B14F-4D97-AF65-F5344CB8AC3E}">
-        <p14:creationId xmlns:p14="http://schemas.microsoft.com/office/powerpoint/2010/main" val="4226538586"/>
+        <p14:creationId xmlns:p14="http://schemas.microsoft.com/office/powerpoint/2010/main" val="1513343464"/>
       </p:ext>
     </p:extLst>
   </p:cSld>
   <p:clrMapOvr>
     <a:masterClrMapping/>
   </p:clrMapOvr>
+  <p:timing>
+    <p:tnLst>
+      <p:par>
+        <p:cTn id="1" dur="indefinite" restart="never" nodeType="tmRoot"/>
+      </p:par>
+    </p:tnLst>
+  </p:timing>
 </p:sld>
 </file>
 
@@ -7991,13 +9450,20 @@
     </p:spTree>
     <p:extLst>
       <p:ext uri="{BB962C8B-B14F-4D97-AF65-F5344CB8AC3E}">
-        <p14:creationId xmlns:p14="http://schemas.microsoft.com/office/powerpoint/2010/main" val="3133207361"/>
+        <p14:creationId xmlns:p14="http://schemas.microsoft.com/office/powerpoint/2010/main" val="2614346277"/>
       </p:ext>
     </p:extLst>
   </p:cSld>
   <p:clrMapOvr>
     <a:masterClrMapping/>
   </p:clrMapOvr>
+  <p:timing>
+    <p:tnLst>
+      <p:par>
+        <p:cTn id="1" dur="indefinite" restart="never" nodeType="tmRoot"/>
+      </p:par>
+    </p:tnLst>
+  </p:timing>
 </p:sld>
 </file>
 
@@ -8111,6 +9577,13 @@
   <p:clrMapOvr>
     <a:masterClrMapping/>
   </p:clrMapOvr>
+  <p:timing>
+    <p:tnLst>
+      <p:par>
+        <p:cTn id="1" dur="indefinite" restart="never" nodeType="tmRoot"/>
+      </p:par>
+    </p:tnLst>
+  </p:timing>
 </p:sld>
 </file>
 
@@ -8181,11 +9654,15 @@
           <a:lstStyle/>
           <a:p>
             <a:r>
-              <a:rPr lang="de-CH" dirty="0" err="1"/>
+              <a:rPr lang="de-CH" dirty="0" smtClean="0"/>
+              <a:t>Aktiver </a:t>
+            </a:r>
+            <a:r>
+              <a:rPr lang="de-CH" dirty="0" err="1" smtClean="0"/>
               <a:t>Notch</a:t>
             </a:r>
             <a:r>
-              <a:rPr lang="de-CH" dirty="0"/>
+              <a:rPr lang="de-CH" dirty="0" smtClean="0"/>
               <a:t> </a:t>
             </a:r>
             <a:r>
@@ -8194,7 +9671,19 @@
             </a:r>
             <a:r>
               <a:rPr lang="de-CH" dirty="0"/>
-              <a:t> 50 Hz</a:t>
+              <a:t> 50 </a:t>
+            </a:r>
+            <a:r>
+              <a:rPr lang="de-CH" dirty="0" smtClean="0"/>
+              <a:t>Hz</a:t>
+            </a:r>
+            <a:endParaRPr lang="de-CH" dirty="0"/>
+          </a:p>
+          <a:p>
+            <a:pPr lvl="1"/>
+            <a:r>
+              <a:rPr lang="de-CH" dirty="0" smtClean="0"/>
+              <a:t>Steiler ist nicht immer besser</a:t>
             </a:r>
           </a:p>
         </p:txBody>
@@ -8219,8 +9708,37 @@
         </p:blipFill>
         <p:spPr>
           <a:xfrm>
-            <a:off x="1511955" y="2573866"/>
+            <a:off x="677334" y="3498612"/>
             <a:ext cx="7147560" cy="2772939"/>
+          </a:xfrm>
+          <a:prstGeom prst="rect">
+            <a:avLst/>
+          </a:prstGeom>
+        </p:spPr>
+      </p:pic>
+      <p:pic>
+        <p:nvPicPr>
+          <p:cNvPr id="5" name="Bild 4"/>
+          <p:cNvPicPr>
+            <a:picLocks noChangeAspect="1"/>
+          </p:cNvPicPr>
+          <p:nvPr/>
+        </p:nvPicPr>
+        <p:blipFill rotWithShape="1">
+          <a:blip r:embed="rId3" cstate="print">
+            <a:extLst>
+              <a:ext uri="{28A0092B-C50C-407E-A947-70E740481C1C}">
+                <a14:useLocalDpi xmlns:a14="http://schemas.microsoft.com/office/drawing/2010/main" val="0"/>
+              </a:ext>
+            </a:extLst>
+          </a:blip>
+          <a:srcRect l="5834" t="1" r="4556" b="3390"/>
+          <a:stretch/>
+        </p:blipFill>
+        <p:spPr>
+          <a:xfrm>
+            <a:off x="7543799" y="2661348"/>
+            <a:ext cx="4180115" cy="3380014"/>
           </a:xfrm>
           <a:prstGeom prst="rect">
             <a:avLst/>
@@ -8230,13 +9748,20 @@
     </p:spTree>
     <p:extLst>
       <p:ext uri="{BB962C8B-B14F-4D97-AF65-F5344CB8AC3E}">
-        <p14:creationId xmlns:p14="http://schemas.microsoft.com/office/powerpoint/2010/main" val="2203063436"/>
+        <p14:creationId xmlns:p14="http://schemas.microsoft.com/office/powerpoint/2010/main" val="4083630294"/>
       </p:ext>
     </p:extLst>
   </p:cSld>
   <p:clrMapOvr>
     <a:masterClrMapping/>
   </p:clrMapOvr>
+  <p:timing>
+    <p:tnLst>
+      <p:par>
+        <p:cTn id="1" dur="indefinite" restart="never" nodeType="tmRoot"/>
+      </p:par>
+    </p:tnLst>
+  </p:timing>
 </p:sld>
 </file>
 
@@ -8274,35 +9799,8 @@
           <a:p>
             <a:r>
               <a:rPr lang="de-CH" dirty="0" smtClean="0"/>
-              <a:t>Dimensionierung: </a:t>
-            </a:r>
-            <a:r>
-              <a:rPr lang="de-CH" dirty="0" err="1" smtClean="0"/>
-              <a:t>LTSpice</a:t>
-            </a:r>
-            <a:r>
-              <a:rPr lang="de-CH" dirty="0" smtClean="0"/>
-              <a:t> Simulationen</a:t>
-            </a:r>
-            <a:endParaRPr lang="de-CH" dirty="0"/>
-          </a:p>
-        </p:txBody>
-      </p:sp>
-      <p:sp>
-        <p:nvSpPr>
-          <p:cNvPr id="3" name="Inhaltsplatzhalter 2"/>
-          <p:cNvSpPr>
-            <a:spLocks noGrp="1"/>
-          </p:cNvSpPr>
-          <p:nvPr>
-            <p:ph idx="1"/>
-          </p:nvPr>
-        </p:nvSpPr>
-        <p:spPr/>
-        <p:txBody>
-          <a:bodyPr/>
-          <a:lstStyle/>
-          <a:p>
+              <a:t>Simulation: Gesamter Pfad</a:t>
+            </a:r>
             <a:endParaRPr lang="de-CH" dirty="0"/>
           </a:p>
         </p:txBody>
@@ -8328,8 +9826,8 @@
         </p:blipFill>
         <p:spPr bwMode="auto">
           <a:xfrm>
-            <a:off x="2248959" y="3429000"/>
-            <a:ext cx="5746750" cy="1435100"/>
+            <a:off x="677334" y="1494692"/>
+            <a:ext cx="10461007" cy="2612362"/>
           </a:xfrm>
           <a:prstGeom prst="rect">
             <a:avLst/>
@@ -8340,16 +9838,53 @@
           </a:ln>
         </p:spPr>
       </p:pic>
+      <p:pic>
+        <p:nvPicPr>
+          <p:cNvPr id="5" name="Bild 4"/>
+          <p:cNvPicPr>
+            <a:picLocks noChangeAspect="1"/>
+          </p:cNvPicPr>
+          <p:nvPr/>
+        </p:nvPicPr>
+        <p:blipFill>
+          <a:blip r:embed="rId3">
+            <a:extLst>
+              <a:ext uri="{28A0092B-C50C-407E-A947-70E740481C1C}">
+                <a14:useLocalDpi xmlns:a14="http://schemas.microsoft.com/office/drawing/2010/main" val="0"/>
+              </a:ext>
+            </a:extLst>
+          </a:blip>
+          <a:stretch>
+            <a:fillRect/>
+          </a:stretch>
+        </p:blipFill>
+        <p:spPr>
+          <a:xfrm>
+            <a:off x="677334" y="4226168"/>
+            <a:ext cx="10527324" cy="2631831"/>
+          </a:xfrm>
+          <a:prstGeom prst="rect">
+            <a:avLst/>
+          </a:prstGeom>
+        </p:spPr>
+      </p:pic>
     </p:spTree>
     <p:extLst>
       <p:ext uri="{BB962C8B-B14F-4D97-AF65-F5344CB8AC3E}">
-        <p14:creationId xmlns:p14="http://schemas.microsoft.com/office/powerpoint/2010/main" val="1549703329"/>
+        <p14:creationId xmlns:p14="http://schemas.microsoft.com/office/powerpoint/2010/main" val="1485564365"/>
       </p:ext>
     </p:extLst>
   </p:cSld>
   <p:clrMapOvr>
     <a:masterClrMapping/>
   </p:clrMapOvr>
+  <p:timing>
+    <p:tnLst>
+      <p:par>
+        <p:cTn id="1" dur="indefinite" restart="never" nodeType="tmRoot"/>
+      </p:par>
+    </p:tnLst>
+  </p:timing>
 </p:sld>
 </file>
 
@@ -8608,4 +10143,265 @@
     </a:ext>
   </a:extLst>
 </a:theme>
+</file>
+
+<file path=ppt/theme/theme2.xml><?xml version="1.0" encoding="utf-8"?>
+<a:theme xmlns:a="http://schemas.openxmlformats.org/drawingml/2006/main" name="Office Theme">
+  <a:themeElements>
+    <a:clrScheme name="Office">
+      <a:dk1>
+        <a:sysClr val="windowText" lastClr="000000"/>
+      </a:dk1>
+      <a:lt1>
+        <a:sysClr val="window" lastClr="FFFFFF"/>
+      </a:lt1>
+      <a:dk2>
+        <a:srgbClr val="44546A"/>
+      </a:dk2>
+      <a:lt2>
+        <a:srgbClr val="E7E6E6"/>
+      </a:lt2>
+      <a:accent1>
+        <a:srgbClr val="5B9BD5"/>
+      </a:accent1>
+      <a:accent2>
+        <a:srgbClr val="ED7D31"/>
+      </a:accent2>
+      <a:accent3>
+        <a:srgbClr val="A5A5A5"/>
+      </a:accent3>
+      <a:accent4>
+        <a:srgbClr val="FFC000"/>
+      </a:accent4>
+      <a:accent5>
+        <a:srgbClr val="4472C4"/>
+      </a:accent5>
+      <a:accent6>
+        <a:srgbClr val="70AD47"/>
+      </a:accent6>
+      <a:hlink>
+        <a:srgbClr val="0563C1"/>
+      </a:hlink>
+      <a:folHlink>
+        <a:srgbClr val="954F72"/>
+      </a:folHlink>
+    </a:clrScheme>
+    <a:fontScheme name="Office">
+      <a:majorFont>
+        <a:latin typeface="Calibri Light" panose="020F0302020204030204"/>
+        <a:ea typeface=""/>
+        <a:cs typeface=""/>
+        <a:font script="Jpan" typeface="ＭＳ Ｐゴシック"/>
+        <a:font script="Hang" typeface="맑은 고딕"/>
+        <a:font script="Hans" typeface="宋体"/>
+        <a:font script="Hant" typeface="新細明體"/>
+        <a:font script="Arab" typeface="Times New Roman"/>
+        <a:font script="Hebr" typeface="Times New Roman"/>
+        <a:font script="Thai" typeface="Angsana New"/>
+        <a:font script="Ethi" typeface="Nyala"/>
+        <a:font script="Beng" typeface="Vrinda"/>
+        <a:font script="Gujr" typeface="Shruti"/>
+        <a:font script="Khmr" typeface="MoolBoran"/>
+        <a:font script="Knda" typeface="Tunga"/>
+        <a:font script="Guru" typeface="Raavi"/>
+        <a:font script="Cans" typeface="Euphemia"/>
+        <a:font script="Cher" typeface="Plantagenet Cherokee"/>
+        <a:font script="Yiii" typeface="Microsoft Yi Baiti"/>
+        <a:font script="Tibt" typeface="Microsoft Himalaya"/>
+        <a:font script="Thaa" typeface="MV Boli"/>
+        <a:font script="Deva" typeface="Mangal"/>
+        <a:font script="Telu" typeface="Gautami"/>
+        <a:font script="Taml" typeface="Latha"/>
+        <a:font script="Syrc" typeface="Estrangelo Edessa"/>
+        <a:font script="Orya" typeface="Kalinga"/>
+        <a:font script="Mlym" typeface="Kartika"/>
+        <a:font script="Laoo" typeface="DokChampa"/>
+        <a:font script="Sinh" typeface="Iskoola Pota"/>
+        <a:font script="Mong" typeface="Mongolian Baiti"/>
+        <a:font script="Viet" typeface="Times New Roman"/>
+        <a:font script="Uigh" typeface="Microsoft Uighur"/>
+        <a:font script="Geor" typeface="Sylfaen"/>
+      </a:majorFont>
+      <a:minorFont>
+        <a:latin typeface="Calibri" panose="020F0502020204030204"/>
+        <a:ea typeface=""/>
+        <a:cs typeface=""/>
+        <a:font script="Jpan" typeface="ＭＳ Ｐゴシック"/>
+        <a:font script="Hang" typeface="맑은 고딕"/>
+        <a:font script="Hans" typeface="宋体"/>
+        <a:font script="Hant" typeface="新細明體"/>
+        <a:font script="Arab" typeface="Arial"/>
+        <a:font script="Hebr" typeface="Arial"/>
+        <a:font script="Thai" typeface="Cordia New"/>
+        <a:font script="Ethi" typeface="Nyala"/>
+        <a:font script="Beng" typeface="Vrinda"/>
+        <a:font script="Gujr" typeface="Shruti"/>
+        <a:font script="Khmr" typeface="DaunPenh"/>
+        <a:font script="Knda" typeface="Tunga"/>
+        <a:font script="Guru" typeface="Raavi"/>
+        <a:font script="Cans" typeface="Euphemia"/>
+        <a:font script="Cher" typeface="Plantagenet Cherokee"/>
+        <a:font script="Yiii" typeface="Microsoft Yi Baiti"/>
+        <a:font script="Tibt" typeface="Microsoft Himalaya"/>
+        <a:font script="Thaa" typeface="MV Boli"/>
+        <a:font script="Deva" typeface="Mangal"/>
+        <a:font script="Telu" typeface="Gautami"/>
+        <a:font script="Taml" typeface="Latha"/>
+        <a:font script="Syrc" typeface="Estrangelo Edessa"/>
+        <a:font script="Orya" typeface="Kalinga"/>
+        <a:font script="Mlym" typeface="Kartika"/>
+        <a:font script="Laoo" typeface="DokChampa"/>
+        <a:font script="Sinh" typeface="Iskoola Pota"/>
+        <a:font script="Mong" typeface="Mongolian Baiti"/>
+        <a:font script="Viet" typeface="Arial"/>
+        <a:font script="Uigh" typeface="Microsoft Uighur"/>
+        <a:font script="Geor" typeface="Sylfaen"/>
+      </a:minorFont>
+    </a:fontScheme>
+    <a:fmtScheme name="Office">
+      <a:fillStyleLst>
+        <a:solidFill>
+          <a:schemeClr val="phClr"/>
+        </a:solidFill>
+        <a:gradFill rotWithShape="1">
+          <a:gsLst>
+            <a:gs pos="0">
+              <a:schemeClr val="phClr">
+                <a:lumMod val="110000"/>
+                <a:satMod val="105000"/>
+                <a:tint val="67000"/>
+              </a:schemeClr>
+            </a:gs>
+            <a:gs pos="50000">
+              <a:schemeClr val="phClr">
+                <a:lumMod val="105000"/>
+                <a:satMod val="103000"/>
+                <a:tint val="73000"/>
+              </a:schemeClr>
+            </a:gs>
+            <a:gs pos="100000">
+              <a:schemeClr val="phClr">
+                <a:lumMod val="105000"/>
+                <a:satMod val="109000"/>
+                <a:tint val="81000"/>
+              </a:schemeClr>
+            </a:gs>
+          </a:gsLst>
+          <a:lin ang="5400000" scaled="0"/>
+        </a:gradFill>
+        <a:gradFill rotWithShape="1">
+          <a:gsLst>
+            <a:gs pos="0">
+              <a:schemeClr val="phClr">
+                <a:satMod val="103000"/>
+                <a:lumMod val="102000"/>
+                <a:tint val="94000"/>
+              </a:schemeClr>
+            </a:gs>
+            <a:gs pos="50000">
+              <a:schemeClr val="phClr">
+                <a:satMod val="110000"/>
+                <a:lumMod val="100000"/>
+                <a:shade val="100000"/>
+              </a:schemeClr>
+            </a:gs>
+            <a:gs pos="100000">
+              <a:schemeClr val="phClr">
+                <a:lumMod val="99000"/>
+                <a:satMod val="120000"/>
+                <a:shade val="78000"/>
+              </a:schemeClr>
+            </a:gs>
+          </a:gsLst>
+          <a:lin ang="5400000" scaled="0"/>
+        </a:gradFill>
+      </a:fillStyleLst>
+      <a:lnStyleLst>
+        <a:ln w="6350" cap="flat" cmpd="sng" algn="ctr">
+          <a:solidFill>
+            <a:schemeClr val="phClr"/>
+          </a:solidFill>
+          <a:prstDash val="solid"/>
+          <a:miter lim="800000"/>
+        </a:ln>
+        <a:ln w="12700" cap="flat" cmpd="sng" algn="ctr">
+          <a:solidFill>
+            <a:schemeClr val="phClr"/>
+          </a:solidFill>
+          <a:prstDash val="solid"/>
+          <a:miter lim="800000"/>
+        </a:ln>
+        <a:ln w="19050" cap="flat" cmpd="sng" algn="ctr">
+          <a:solidFill>
+            <a:schemeClr val="phClr"/>
+          </a:solidFill>
+          <a:prstDash val="solid"/>
+          <a:miter lim="800000"/>
+        </a:ln>
+      </a:lnStyleLst>
+      <a:effectStyleLst>
+        <a:effectStyle>
+          <a:effectLst/>
+        </a:effectStyle>
+        <a:effectStyle>
+          <a:effectLst/>
+        </a:effectStyle>
+        <a:effectStyle>
+          <a:effectLst>
+            <a:outerShdw blurRad="57150" dist="19050" dir="5400000" algn="ctr" rotWithShape="0">
+              <a:srgbClr val="000000">
+                <a:alpha val="63000"/>
+              </a:srgbClr>
+            </a:outerShdw>
+          </a:effectLst>
+        </a:effectStyle>
+      </a:effectStyleLst>
+      <a:bgFillStyleLst>
+        <a:solidFill>
+          <a:schemeClr val="phClr"/>
+        </a:solidFill>
+        <a:solidFill>
+          <a:schemeClr val="phClr">
+            <a:tint val="95000"/>
+            <a:satMod val="170000"/>
+          </a:schemeClr>
+        </a:solidFill>
+        <a:gradFill rotWithShape="1">
+          <a:gsLst>
+            <a:gs pos="0">
+              <a:schemeClr val="phClr">
+                <a:tint val="93000"/>
+                <a:satMod val="150000"/>
+                <a:shade val="98000"/>
+                <a:lumMod val="102000"/>
+              </a:schemeClr>
+            </a:gs>
+            <a:gs pos="50000">
+              <a:schemeClr val="phClr">
+                <a:tint val="98000"/>
+                <a:satMod val="130000"/>
+                <a:shade val="90000"/>
+                <a:lumMod val="103000"/>
+              </a:schemeClr>
+            </a:gs>
+            <a:gs pos="100000">
+              <a:schemeClr val="phClr">
+                <a:shade val="63000"/>
+                <a:satMod val="120000"/>
+              </a:schemeClr>
+            </a:gs>
+          </a:gsLst>
+          <a:lin ang="5400000" scaled="0"/>
+        </a:gradFill>
+      </a:bgFillStyleLst>
+    </a:fmtScheme>
+  </a:themeElements>
+  <a:objectDefaults/>
+  <a:extraClrSchemeLst/>
+  <a:extLst>
+    <a:ext uri="{05A4C25C-085E-4340-85A3-A5531E510DB2}">
+      <thm15:themeFamily xmlns:thm15="http://schemas.microsoft.com/office/thememl/2012/main" name="Office Theme" id="{62F939B6-93AF-4DB8-9C6B-D6C7DFDC589F}" vid="{4A3C46E8-61CC-4603-A589-7422A47A8E4A}"/>
+    </a:ext>
+  </a:extLst>
+</a:theme>
 </file>
--- a/Bericht/Oxymeter.pptx
+++ b/Bericht/Oxymeter.pptx
@@ -6360,11 +6360,7 @@
           <a:p>
             <a:r>
               <a:rPr lang="de-CH" dirty="0" smtClean="0"/>
-              <a:t>25</a:t>
-            </a:r>
-            <a:r>
-              <a:rPr lang="de-CH" dirty="0" smtClean="0"/>
-              <a:t>.1.2019</a:t>
+              <a:t>25.1.2019</a:t>
             </a:r>
             <a:endParaRPr lang="de-CH" dirty="0"/>
           </a:p>
@@ -7358,11 +7354,7 @@
           <a:p>
             <a:r>
               <a:rPr lang="de-CH" dirty="0" smtClean="0"/>
-              <a:t>Schema </a:t>
-            </a:r>
-            <a:r>
-              <a:rPr lang="de-CH" dirty="0" smtClean="0"/>
-              <a:t>H-Brücke</a:t>
+              <a:t>Schema H-Brücke</a:t>
             </a:r>
             <a:endParaRPr lang="de-CH" dirty="0"/>
           </a:p>
@@ -7600,8 +7592,13 @@
           <a:p>
             <a:r>
               <a:rPr lang="de-DE" dirty="0" smtClean="0"/>
-              <a:t>Verstärker G=45</a:t>
-            </a:r>
+              <a:t>Verstärker G</a:t>
+            </a:r>
+            <a:r>
+              <a:rPr lang="de-DE" dirty="0" smtClean="0"/>
+              <a:t>=-45</a:t>
+            </a:r>
+            <a:endParaRPr lang="de-DE" dirty="0" smtClean="0"/>
           </a:p>
           <a:p>
             <a:endParaRPr lang="de-DE" dirty="0"/>
@@ -7834,8 +7831,8 @@
           </a:p>
         </p:txBody>
       </p:sp>
-      <mc:AlternateContent xmlns:mc="http://schemas.openxmlformats.org/markup-compatibility/2006" xmlns:a14="http://schemas.microsoft.com/office/drawing/2010/main">
-        <mc:Choice Requires="a14">
+      <mc:AlternateContent xmlns:mc="http://schemas.openxmlformats.org/markup-compatibility/2006">
+        <mc:Choice xmlns:a14="http://schemas.microsoft.com/office/drawing/2010/main" Requires="a14">
           <p:sp>
             <p:nvSpPr>
               <p:cNvPr id="3" name="Inhaltsplatzhalter 2"/>
@@ -8107,8 +8104,8 @@
                   <a:t>Peak </a:t>
                 </a:r>
                 <a:r>
-                  <a:rPr lang="de-CH" dirty="0" err="1" smtClean="0"/>
-                  <a:t>detection</a:t>
+                  <a:rPr lang="de-CH" dirty="0" smtClean="0"/>
+                  <a:t>Detektion</a:t>
                 </a:r>
                 <a:endParaRPr lang="de-CH" dirty="0" smtClean="0"/>
               </a:p>
@@ -8122,7 +8119,7 @@
             </p:txBody>
           </p:sp>
         </mc:Choice>
-        <mc:Fallback xmlns="">
+        <mc:Fallback>
           <p:sp>
             <p:nvSpPr>
               <p:cNvPr id="3" name="Inhaltsplatzhalter 2"/>
@@ -8946,7 +8943,6 @@
               <a:rPr lang="de-CH" dirty="0" smtClean="0"/>
               <a:t>)</a:t>
             </a:r>
-            <a:endParaRPr lang="de-CH" dirty="0" smtClean="0"/>
           </a:p>
           <a:p>
             <a:r>
@@ -9062,15 +9058,7 @@
           <a:p>
             <a:r>
               <a:rPr lang="de-CH" dirty="0" smtClean="0"/>
-              <a:t>LED </a:t>
-            </a:r>
-            <a:r>
-              <a:rPr lang="de-CH" dirty="0" smtClean="0"/>
-              <a:t>Infrarot </a:t>
-            </a:r>
-            <a:r>
-              <a:rPr lang="de-CH" dirty="0" smtClean="0"/>
-              <a:t>– 940nm</a:t>
+              <a:t>LED Infrarot – 940nm</a:t>
             </a:r>
           </a:p>
           <a:p>
